--- a/report.pptx
+++ b/report.pptx
@@ -5,7 +5,7 @@
     <p:sldMasterId id="2147483660" r:id="rId4"/>
   </p:sldMasterIdLst>
   <p:notesMasterIdLst>
-    <p:notesMasterId r:id="rId17"/>
+    <p:notesMasterId r:id="rId21"/>
   </p:notesMasterIdLst>
   <p:sldIdLst>
     <p:sldId id="256" r:id="rId5"/>
@@ -15,11 +15,15 @@
     <p:sldId id="262" r:id="rId9"/>
     <p:sldId id="263" r:id="rId10"/>
     <p:sldId id="258" r:id="rId11"/>
-    <p:sldId id="280" r:id="rId12"/>
-    <p:sldId id="281" r:id="rId13"/>
-    <p:sldId id="282" r:id="rId14"/>
-    <p:sldId id="274" r:id="rId15"/>
-    <p:sldId id="275" r:id="rId16"/>
+    <p:sldId id="283" r:id="rId12"/>
+    <p:sldId id="284" r:id="rId13"/>
+    <p:sldId id="280" r:id="rId14"/>
+    <p:sldId id="285" r:id="rId15"/>
+    <p:sldId id="281" r:id="rId16"/>
+    <p:sldId id="287" r:id="rId17"/>
+    <p:sldId id="282" r:id="rId18"/>
+    <p:sldId id="274" r:id="rId19"/>
+    <p:sldId id="275" r:id="rId20"/>
   </p:sldIdLst>
   <p:sldSz cx="12192000" cy="6858000"/>
   <p:notesSz cx="6858000" cy="1857375"/>
@@ -1950,7 +1954,7 @@
           <a:p>
             <a:fld id="{9E497948-54D2-43F8-9A63-A99FE3051738}" type="datetimeFigureOut">
               <a:rPr lang="en-US" smtClean="0"/>
-              <a:t>12/21/2023</a:t>
+              <a:t>12/24/2023</a:t>
             </a:fld>
             <a:endParaRPr lang="en-US"/>
           </a:p>
@@ -2301,6 +2305,174 @@
 </p:notes>
 </file>
 
+<file path=ppt/notesSlides/notesSlide10.xml><?xml version="1.0" encoding="utf-8"?>
+<p:notes xmlns:a="http://schemas.openxmlformats.org/drawingml/2006/main" xmlns:r="http://schemas.openxmlformats.org/officeDocument/2006/relationships" xmlns:p="http://schemas.openxmlformats.org/presentationml/2006/main">
+  <p:cSld>
+    <p:spTree>
+      <p:nvGrpSpPr>
+        <p:cNvPr id="1" name=""/>
+        <p:cNvGrpSpPr/>
+        <p:nvPr/>
+      </p:nvGrpSpPr>
+      <p:grpSpPr>
+        <a:xfrm>
+          <a:off x="0" y="0"/>
+          <a:ext cx="0" cy="0"/>
+          <a:chOff x="0" y="0"/>
+          <a:chExt cx="0" cy="0"/>
+        </a:xfrm>
+      </p:grpSpPr>
+      <p:sp>
+        <p:nvSpPr>
+          <p:cNvPr id="2" name="幻灯片图像占位符 1"/>
+          <p:cNvSpPr>
+            <a:spLocks noGrp="1" noRot="1" noChangeAspect="1"/>
+          </p:cNvSpPr>
+          <p:nvPr>
+            <p:ph type="sldImg"/>
+          </p:nvPr>
+        </p:nvSpPr>
+        <p:spPr/>
+      </p:sp>
+      <p:sp>
+        <p:nvSpPr>
+          <p:cNvPr id="3" name="备注占位符 2"/>
+          <p:cNvSpPr>
+            <a:spLocks noGrp="1"/>
+          </p:cNvSpPr>
+          <p:nvPr>
+            <p:ph type="body" idx="1"/>
+          </p:nvPr>
+        </p:nvSpPr>
+        <p:spPr/>
+        <p:txBody>
+          <a:bodyPr/>
+          <a:lstStyle/>
+          <a:p>
+            <a:endParaRPr lang="en-CA" dirty="0"/>
+          </a:p>
+        </p:txBody>
+      </p:sp>
+      <p:sp>
+        <p:nvSpPr>
+          <p:cNvPr id="4" name="灯片编号占位符 3"/>
+          <p:cNvSpPr>
+            <a:spLocks noGrp="1"/>
+          </p:cNvSpPr>
+          <p:nvPr>
+            <p:ph type="sldNum" sz="quarter" idx="5"/>
+          </p:nvPr>
+        </p:nvSpPr>
+        <p:spPr/>
+        <p:txBody>
+          <a:bodyPr/>
+          <a:lstStyle/>
+          <a:p>
+            <a:fld id="{EEBDA0E2-FEBD-4B65-8F16-724CF984F377}" type="slidenum">
+              <a:rPr lang="en-US" smtClean="0"/>
+              <a:t>13</a:t>
+            </a:fld>
+            <a:endParaRPr lang="en-US"/>
+          </a:p>
+        </p:txBody>
+      </p:sp>
+    </p:spTree>
+    <p:extLst>
+      <p:ext uri="{BB962C8B-B14F-4D97-AF65-F5344CB8AC3E}">
+        <p14:creationId xmlns:p14="http://schemas.microsoft.com/office/powerpoint/2010/main" val="2790069326"/>
+      </p:ext>
+    </p:extLst>
+  </p:cSld>
+  <p:clrMapOvr>
+    <a:masterClrMapping/>
+  </p:clrMapOvr>
+</p:notes>
+</file>
+
+<file path=ppt/notesSlides/notesSlide11.xml><?xml version="1.0" encoding="utf-8"?>
+<p:notes xmlns:a="http://schemas.openxmlformats.org/drawingml/2006/main" xmlns:r="http://schemas.openxmlformats.org/officeDocument/2006/relationships" xmlns:p="http://schemas.openxmlformats.org/presentationml/2006/main">
+  <p:cSld>
+    <p:spTree>
+      <p:nvGrpSpPr>
+        <p:cNvPr id="1" name=""/>
+        <p:cNvGrpSpPr/>
+        <p:nvPr/>
+      </p:nvGrpSpPr>
+      <p:grpSpPr>
+        <a:xfrm>
+          <a:off x="0" y="0"/>
+          <a:ext cx="0" cy="0"/>
+          <a:chOff x="0" y="0"/>
+          <a:chExt cx="0" cy="0"/>
+        </a:xfrm>
+      </p:grpSpPr>
+      <p:sp>
+        <p:nvSpPr>
+          <p:cNvPr id="2" name="幻灯片图像占位符 1"/>
+          <p:cNvSpPr>
+            <a:spLocks noGrp="1" noRot="1" noChangeAspect="1"/>
+          </p:cNvSpPr>
+          <p:nvPr>
+            <p:ph type="sldImg"/>
+          </p:nvPr>
+        </p:nvSpPr>
+        <p:spPr/>
+      </p:sp>
+      <p:sp>
+        <p:nvSpPr>
+          <p:cNvPr id="3" name="备注占位符 2"/>
+          <p:cNvSpPr>
+            <a:spLocks noGrp="1"/>
+          </p:cNvSpPr>
+          <p:nvPr>
+            <p:ph type="body" idx="1"/>
+          </p:nvPr>
+        </p:nvSpPr>
+        <p:spPr/>
+        <p:txBody>
+          <a:bodyPr/>
+          <a:lstStyle/>
+          <a:p>
+            <a:endParaRPr lang="en-CA" dirty="0"/>
+          </a:p>
+        </p:txBody>
+      </p:sp>
+      <p:sp>
+        <p:nvSpPr>
+          <p:cNvPr id="4" name="灯片编号占位符 3"/>
+          <p:cNvSpPr>
+            <a:spLocks noGrp="1"/>
+          </p:cNvSpPr>
+          <p:nvPr>
+            <p:ph type="sldNum" sz="quarter" idx="5"/>
+          </p:nvPr>
+        </p:nvSpPr>
+        <p:spPr/>
+        <p:txBody>
+          <a:bodyPr/>
+          <a:lstStyle/>
+          <a:p>
+            <a:fld id="{EEBDA0E2-FEBD-4B65-8F16-724CF984F377}" type="slidenum">
+              <a:rPr lang="en-US" smtClean="0"/>
+              <a:t>14</a:t>
+            </a:fld>
+            <a:endParaRPr lang="en-US"/>
+          </a:p>
+        </p:txBody>
+      </p:sp>
+    </p:spTree>
+    <p:extLst>
+      <p:ext uri="{BB962C8B-B14F-4D97-AF65-F5344CB8AC3E}">
+        <p14:creationId xmlns:p14="http://schemas.microsoft.com/office/powerpoint/2010/main" val="2237283428"/>
+      </p:ext>
+    </p:extLst>
+  </p:cSld>
+  <p:clrMapOvr>
+    <a:masterClrMapping/>
+  </p:clrMapOvr>
+</p:notes>
+</file>
+
 <file path=ppt/notesSlides/notesSlide2.xml><?xml version="1.0" encoding="utf-8"?>
 <p:notes xmlns:a="http://schemas.openxmlformats.org/drawingml/2006/main" xmlns:r="http://schemas.openxmlformats.org/officeDocument/2006/relationships" xmlns:p="http://schemas.openxmlformats.org/presentationml/2006/main">
   <p:cSld>
@@ -2627,7 +2799,7 @@
     </p:spTree>
     <p:extLst>
       <p:ext uri="{BB962C8B-B14F-4D97-AF65-F5344CB8AC3E}">
-        <p14:creationId xmlns:p14="http://schemas.microsoft.com/office/powerpoint/2010/main" val="3189667865"/>
+        <p14:creationId xmlns:p14="http://schemas.microsoft.com/office/powerpoint/2010/main" val="3908523563"/>
       </p:ext>
     </p:extLst>
   </p:cSld>
@@ -2711,7 +2883,7 @@
     </p:spTree>
     <p:extLst>
       <p:ext uri="{BB962C8B-B14F-4D97-AF65-F5344CB8AC3E}">
-        <p14:creationId xmlns:p14="http://schemas.microsoft.com/office/powerpoint/2010/main" val="136161072"/>
+        <p14:creationId xmlns:p14="http://schemas.microsoft.com/office/powerpoint/2010/main" val="2382815768"/>
       </p:ext>
     </p:extLst>
   </p:cSld>
@@ -2795,7 +2967,175 @@
     </p:spTree>
     <p:extLst>
       <p:ext uri="{BB962C8B-B14F-4D97-AF65-F5344CB8AC3E}">
-        <p14:creationId xmlns:p14="http://schemas.microsoft.com/office/powerpoint/2010/main" val="2237283428"/>
+        <p14:creationId xmlns:p14="http://schemas.microsoft.com/office/powerpoint/2010/main" val="3189667865"/>
+      </p:ext>
+    </p:extLst>
+  </p:cSld>
+  <p:clrMapOvr>
+    <a:masterClrMapping/>
+  </p:clrMapOvr>
+</p:notes>
+</file>
+
+<file path=ppt/notesSlides/notesSlide8.xml><?xml version="1.0" encoding="utf-8"?>
+<p:notes xmlns:a="http://schemas.openxmlformats.org/drawingml/2006/main" xmlns:r="http://schemas.openxmlformats.org/officeDocument/2006/relationships" xmlns:p="http://schemas.openxmlformats.org/presentationml/2006/main">
+  <p:cSld>
+    <p:spTree>
+      <p:nvGrpSpPr>
+        <p:cNvPr id="1" name=""/>
+        <p:cNvGrpSpPr/>
+        <p:nvPr/>
+      </p:nvGrpSpPr>
+      <p:grpSpPr>
+        <a:xfrm>
+          <a:off x="0" y="0"/>
+          <a:ext cx="0" cy="0"/>
+          <a:chOff x="0" y="0"/>
+          <a:chExt cx="0" cy="0"/>
+        </a:xfrm>
+      </p:grpSpPr>
+      <p:sp>
+        <p:nvSpPr>
+          <p:cNvPr id="2" name="幻灯片图像占位符 1"/>
+          <p:cNvSpPr>
+            <a:spLocks noGrp="1" noRot="1" noChangeAspect="1"/>
+          </p:cNvSpPr>
+          <p:nvPr>
+            <p:ph type="sldImg"/>
+          </p:nvPr>
+        </p:nvSpPr>
+        <p:spPr/>
+      </p:sp>
+      <p:sp>
+        <p:nvSpPr>
+          <p:cNvPr id="3" name="备注占位符 2"/>
+          <p:cNvSpPr>
+            <a:spLocks noGrp="1"/>
+          </p:cNvSpPr>
+          <p:nvPr>
+            <p:ph type="body" idx="1"/>
+          </p:nvPr>
+        </p:nvSpPr>
+        <p:spPr/>
+        <p:txBody>
+          <a:bodyPr/>
+          <a:lstStyle/>
+          <a:p>
+            <a:endParaRPr lang="en-CA" dirty="0"/>
+          </a:p>
+        </p:txBody>
+      </p:sp>
+      <p:sp>
+        <p:nvSpPr>
+          <p:cNvPr id="4" name="灯片编号占位符 3"/>
+          <p:cNvSpPr>
+            <a:spLocks noGrp="1"/>
+          </p:cNvSpPr>
+          <p:nvPr>
+            <p:ph type="sldNum" sz="quarter" idx="5"/>
+          </p:nvPr>
+        </p:nvSpPr>
+        <p:spPr/>
+        <p:txBody>
+          <a:bodyPr/>
+          <a:lstStyle/>
+          <a:p>
+            <a:fld id="{EEBDA0E2-FEBD-4B65-8F16-724CF984F377}" type="slidenum">
+              <a:rPr lang="en-US" smtClean="0"/>
+              <a:t>11</a:t>
+            </a:fld>
+            <a:endParaRPr lang="en-US"/>
+          </a:p>
+        </p:txBody>
+      </p:sp>
+    </p:spTree>
+    <p:extLst>
+      <p:ext uri="{BB962C8B-B14F-4D97-AF65-F5344CB8AC3E}">
+        <p14:creationId xmlns:p14="http://schemas.microsoft.com/office/powerpoint/2010/main" val="765839027"/>
+      </p:ext>
+    </p:extLst>
+  </p:cSld>
+  <p:clrMapOvr>
+    <a:masterClrMapping/>
+  </p:clrMapOvr>
+</p:notes>
+</file>
+
+<file path=ppt/notesSlides/notesSlide9.xml><?xml version="1.0" encoding="utf-8"?>
+<p:notes xmlns:a="http://schemas.openxmlformats.org/drawingml/2006/main" xmlns:r="http://schemas.openxmlformats.org/officeDocument/2006/relationships" xmlns:p="http://schemas.openxmlformats.org/presentationml/2006/main">
+  <p:cSld>
+    <p:spTree>
+      <p:nvGrpSpPr>
+        <p:cNvPr id="1" name=""/>
+        <p:cNvGrpSpPr/>
+        <p:nvPr/>
+      </p:nvGrpSpPr>
+      <p:grpSpPr>
+        <a:xfrm>
+          <a:off x="0" y="0"/>
+          <a:ext cx="0" cy="0"/>
+          <a:chOff x="0" y="0"/>
+          <a:chExt cx="0" cy="0"/>
+        </a:xfrm>
+      </p:grpSpPr>
+      <p:sp>
+        <p:nvSpPr>
+          <p:cNvPr id="2" name="幻灯片图像占位符 1"/>
+          <p:cNvSpPr>
+            <a:spLocks noGrp="1" noRot="1" noChangeAspect="1"/>
+          </p:cNvSpPr>
+          <p:nvPr>
+            <p:ph type="sldImg"/>
+          </p:nvPr>
+        </p:nvSpPr>
+        <p:spPr/>
+      </p:sp>
+      <p:sp>
+        <p:nvSpPr>
+          <p:cNvPr id="3" name="备注占位符 2"/>
+          <p:cNvSpPr>
+            <a:spLocks noGrp="1"/>
+          </p:cNvSpPr>
+          <p:nvPr>
+            <p:ph type="body" idx="1"/>
+          </p:nvPr>
+        </p:nvSpPr>
+        <p:spPr/>
+        <p:txBody>
+          <a:bodyPr/>
+          <a:lstStyle/>
+          <a:p>
+            <a:endParaRPr lang="en-CA" dirty="0"/>
+          </a:p>
+        </p:txBody>
+      </p:sp>
+      <p:sp>
+        <p:nvSpPr>
+          <p:cNvPr id="4" name="灯片编号占位符 3"/>
+          <p:cNvSpPr>
+            <a:spLocks noGrp="1"/>
+          </p:cNvSpPr>
+          <p:nvPr>
+            <p:ph type="sldNum" sz="quarter" idx="5"/>
+          </p:nvPr>
+        </p:nvSpPr>
+        <p:spPr/>
+        <p:txBody>
+          <a:bodyPr/>
+          <a:lstStyle/>
+          <a:p>
+            <a:fld id="{EEBDA0E2-FEBD-4B65-8F16-724CF984F377}" type="slidenum">
+              <a:rPr lang="en-US" smtClean="0"/>
+              <a:t>12</a:t>
+            </a:fld>
+            <a:endParaRPr lang="en-US"/>
+          </a:p>
+        </p:txBody>
+      </p:sp>
+    </p:spTree>
+    <p:extLst>
+      <p:ext uri="{BB962C8B-B14F-4D97-AF65-F5344CB8AC3E}">
+        <p14:creationId xmlns:p14="http://schemas.microsoft.com/office/powerpoint/2010/main" val="136161072"/>
       </p:ext>
     </p:extLst>
   </p:cSld>
@@ -7129,6 +7469,2773 @@
             <p:ph type="title"/>
           </p:nvPr>
         </p:nvSpPr>
+        <p:spPr/>
+        <p:txBody>
+          <a:bodyPr/>
+          <a:lstStyle/>
+          <a:p>
+            <a:r>
+              <a:rPr lang="en-US" dirty="0"/>
+              <a:t>EDA with SQL</a:t>
+            </a:r>
+          </a:p>
+        </p:txBody>
+      </p:sp>
+      <p:sp>
+        <p:nvSpPr>
+          <p:cNvPr id="3" name="Content Placeholder 2">
+            <a:extLst>
+              <a:ext uri="{FF2B5EF4-FFF2-40B4-BE49-F238E27FC236}">
+                <a16:creationId xmlns:a16="http://schemas.microsoft.com/office/drawing/2014/main" id="{E4FC0D20-FACF-4D73-BD27-CF8F6B97546A}"/>
+              </a:ext>
+            </a:extLst>
+          </p:cNvPr>
+          <p:cNvSpPr>
+            <a:spLocks noGrp="1"/>
+          </p:cNvSpPr>
+          <p:nvPr>
+            <p:ph sz="half" idx="1"/>
+          </p:nvPr>
+        </p:nvSpPr>
+        <p:spPr>
+          <a:xfrm>
+            <a:off x="813815" y="2217683"/>
+            <a:ext cx="10663481" cy="3846786"/>
+          </a:xfrm>
+        </p:spPr>
+        <p:txBody>
+          <a:bodyPr>
+            <a:normAutofit fontScale="92500" lnSpcReduction="20000"/>
+          </a:bodyPr>
+          <a:lstStyle/>
+          <a:p>
+            <a:pPr marL="0" indent="0">
+              <a:buNone/>
+            </a:pPr>
+            <a:r>
+              <a:rPr lang="en-CA" dirty="0"/>
+              <a:t>	Display the names of the unique launch sites  in the space mission</a:t>
+            </a:r>
+          </a:p>
+          <a:p>
+            <a:pPr marL="0" indent="0">
+              <a:buNone/>
+            </a:pPr>
+            <a:r>
+              <a:rPr lang="en-CA" dirty="0"/>
+              <a:t>	Display 5 records where launch sites begin with the string 'CCA’</a:t>
+            </a:r>
+          </a:p>
+          <a:p>
+            <a:pPr marL="0" indent="0">
+              <a:buNone/>
+            </a:pPr>
+            <a:r>
+              <a:rPr lang="en-CA" dirty="0"/>
+              <a:t>	Display the total payload mass carried by boosters launched by NASA (CRS)</a:t>
+            </a:r>
+          </a:p>
+          <a:p>
+            <a:pPr marL="0" indent="0">
+              <a:buNone/>
+            </a:pPr>
+            <a:r>
+              <a:rPr lang="en-CA" dirty="0"/>
+              <a:t>	Display average payload mass carried by booster version F9 v1.1</a:t>
+            </a:r>
+          </a:p>
+          <a:p>
+            <a:pPr marL="0" indent="0">
+              <a:buNone/>
+            </a:pPr>
+            <a:r>
+              <a:rPr lang="en-CA" dirty="0"/>
+              <a:t>	List the date when the first </a:t>
+            </a:r>
+            <a:r>
+              <a:rPr lang="en-CA" dirty="0" err="1"/>
+              <a:t>succesful</a:t>
+            </a:r>
+            <a:r>
+              <a:rPr lang="en-CA" dirty="0"/>
+              <a:t> landing outcome in ground pad was achieved</a:t>
+            </a:r>
+          </a:p>
+          <a:p>
+            <a:pPr marL="0" indent="0">
+              <a:buNone/>
+            </a:pPr>
+            <a:r>
+              <a:rPr lang="en-CA" dirty="0"/>
+              <a:t>	List the names of the boosters which have success in drone ship and have payload mass greater than 4000 but less than 6000</a:t>
+            </a:r>
+          </a:p>
+          <a:p>
+            <a:pPr marL="0" indent="0">
+              <a:buNone/>
+            </a:pPr>
+            <a:r>
+              <a:rPr lang="en-CA" dirty="0"/>
+              <a:t>	</a:t>
+            </a:r>
+            <a:r>
+              <a:rPr lang="en-CA" dirty="0" err="1"/>
+              <a:t>etc</a:t>
+            </a:r>
+            <a:r>
+              <a:rPr lang="en-CA" dirty="0"/>
+              <a:t>…</a:t>
+            </a:r>
+            <a:endParaRPr lang="en-US" dirty="0"/>
+          </a:p>
+        </p:txBody>
+      </p:sp>
+      <p:sp>
+        <p:nvSpPr>
+          <p:cNvPr id="8" name="Content Placeholder 2">
+            <a:extLst>
+              <a:ext uri="{FF2B5EF4-FFF2-40B4-BE49-F238E27FC236}">
+                <a16:creationId xmlns:a16="http://schemas.microsoft.com/office/drawing/2014/main" id="{D13C2F43-A283-4FD4-9C0D-BFF93C50AC01}"/>
+              </a:ext>
+            </a:extLst>
+          </p:cNvPr>
+          <p:cNvSpPr txBox="1">
+            <a:spLocks/>
+          </p:cNvSpPr>
+          <p:nvPr/>
+        </p:nvSpPr>
+        <p:spPr>
+          <a:xfrm>
+            <a:off x="838199" y="2506661"/>
+            <a:ext cx="4614949" cy="3670301"/>
+          </a:xfrm>
+          <a:prstGeom prst="rect">
+            <a:avLst/>
+          </a:prstGeom>
+        </p:spPr>
+        <p:txBody>
+          <a:bodyPr vert="horz" lIns="91440" tIns="45720" rIns="91440" bIns="45720" rtlCol="0">
+            <a:normAutofit/>
+          </a:bodyPr>
+          <a:lstStyle>
+            <a:lvl1pPr marL="228600" indent="-228600" algn="l" defTabSz="914400" rtl="0" eaLnBrk="1" latinLnBrk="0" hangingPunct="1">
+              <a:lnSpc>
+                <a:spcPct val="90000"/>
+              </a:lnSpc>
+              <a:spcBef>
+                <a:spcPts val="1000"/>
+              </a:spcBef>
+              <a:buFont typeface="Arial"/>
+              <a:buChar char="•"/>
+              <a:defRPr sz="2800" kern="1200">
+                <a:solidFill>
+                  <a:srgbClr val="0070C0"/>
+                </a:solidFill>
+                <a:latin typeface="IBM Plex Mono Text" panose="020B0509050203000203" pitchFamily="49" charset="0"/>
+                <a:ea typeface="+mn-ea"/>
+                <a:cs typeface="+mn-cs"/>
+              </a:defRPr>
+            </a:lvl1pPr>
+            <a:lvl2pPr marL="685800" indent="-228600" algn="l" defTabSz="914400" rtl="0" eaLnBrk="1" latinLnBrk="0" hangingPunct="1">
+              <a:lnSpc>
+                <a:spcPct val="90000"/>
+              </a:lnSpc>
+              <a:spcBef>
+                <a:spcPts val="500"/>
+              </a:spcBef>
+              <a:buFont typeface="Arial"/>
+              <a:buChar char="•"/>
+              <a:defRPr sz="2400" kern="1200">
+                <a:solidFill>
+                  <a:srgbClr val="0070C0"/>
+                </a:solidFill>
+                <a:latin typeface="IBM Plex Mono Text" panose="020B0509050203000203" pitchFamily="49" charset="0"/>
+                <a:ea typeface="+mn-ea"/>
+                <a:cs typeface="+mn-cs"/>
+              </a:defRPr>
+            </a:lvl2pPr>
+            <a:lvl3pPr marL="1143000" indent="-228600" algn="l" defTabSz="914400" rtl="0" eaLnBrk="1" latinLnBrk="0" hangingPunct="1">
+              <a:lnSpc>
+                <a:spcPct val="90000"/>
+              </a:lnSpc>
+              <a:spcBef>
+                <a:spcPts val="500"/>
+              </a:spcBef>
+              <a:buFont typeface="Arial"/>
+              <a:buChar char="•"/>
+              <a:defRPr sz="2000" kern="1200">
+                <a:solidFill>
+                  <a:srgbClr val="0070C0"/>
+                </a:solidFill>
+                <a:latin typeface="IBM Plex Mono Text" panose="020B0509050203000203" pitchFamily="49" charset="0"/>
+                <a:ea typeface="+mn-ea"/>
+                <a:cs typeface="+mn-cs"/>
+              </a:defRPr>
+            </a:lvl3pPr>
+            <a:lvl4pPr marL="1600200" indent="-228600" algn="l" defTabSz="914400" rtl="0" eaLnBrk="1" latinLnBrk="0" hangingPunct="1">
+              <a:lnSpc>
+                <a:spcPct val="90000"/>
+              </a:lnSpc>
+              <a:spcBef>
+                <a:spcPts val="500"/>
+              </a:spcBef>
+              <a:buFont typeface="Arial"/>
+              <a:buChar char="•"/>
+              <a:defRPr sz="1800" kern="1200">
+                <a:solidFill>
+                  <a:srgbClr val="0070C0"/>
+                </a:solidFill>
+                <a:latin typeface="IBM Plex Mono Text" panose="020B0509050203000203" pitchFamily="49" charset="0"/>
+                <a:ea typeface="+mn-ea"/>
+                <a:cs typeface="+mn-cs"/>
+              </a:defRPr>
+            </a:lvl4pPr>
+            <a:lvl5pPr marL="2057400" indent="-228600" algn="l" defTabSz="914400" rtl="0" eaLnBrk="1" latinLnBrk="0" hangingPunct="1">
+              <a:lnSpc>
+                <a:spcPct val="90000"/>
+              </a:lnSpc>
+              <a:spcBef>
+                <a:spcPts val="500"/>
+              </a:spcBef>
+              <a:buFont typeface="Arial"/>
+              <a:buChar char="•"/>
+              <a:defRPr sz="1800" kern="1200">
+                <a:solidFill>
+                  <a:srgbClr val="0070C0"/>
+                </a:solidFill>
+                <a:latin typeface="IBM Plex Mono Text" panose="020B0509050203000203" pitchFamily="49" charset="0"/>
+                <a:ea typeface="+mn-ea"/>
+                <a:cs typeface="+mn-cs"/>
+              </a:defRPr>
+            </a:lvl5pPr>
+            <a:lvl6pPr marL="2514600" indent="-228600" algn="l" defTabSz="914400" rtl="0" eaLnBrk="1" latinLnBrk="0" hangingPunct="1">
+              <a:lnSpc>
+                <a:spcPct val="90000"/>
+              </a:lnSpc>
+              <a:spcBef>
+                <a:spcPts val="500"/>
+              </a:spcBef>
+              <a:buFont typeface="Arial"/>
+              <a:buChar char="•"/>
+              <a:defRPr sz="1800" kern="1200">
+                <a:solidFill>
+                  <a:schemeClr val="tx1"/>
+                </a:solidFill>
+                <a:latin typeface="+mn-lt"/>
+                <a:ea typeface="+mn-ea"/>
+                <a:cs typeface="+mn-cs"/>
+              </a:defRPr>
+            </a:lvl6pPr>
+            <a:lvl7pPr marL="2971800" indent="-228600" algn="l" defTabSz="914400" rtl="0" eaLnBrk="1" latinLnBrk="0" hangingPunct="1">
+              <a:lnSpc>
+                <a:spcPct val="90000"/>
+              </a:lnSpc>
+              <a:spcBef>
+                <a:spcPts val="500"/>
+              </a:spcBef>
+              <a:buFont typeface="Arial"/>
+              <a:buChar char="•"/>
+              <a:defRPr sz="1800" kern="1200">
+                <a:solidFill>
+                  <a:schemeClr val="tx1"/>
+                </a:solidFill>
+                <a:latin typeface="+mn-lt"/>
+                <a:ea typeface="+mn-ea"/>
+                <a:cs typeface="+mn-cs"/>
+              </a:defRPr>
+            </a:lvl7pPr>
+            <a:lvl8pPr marL="3429000" indent="-228600" algn="l" defTabSz="914400" rtl="0" eaLnBrk="1" latinLnBrk="0" hangingPunct="1">
+              <a:lnSpc>
+                <a:spcPct val="90000"/>
+              </a:lnSpc>
+              <a:spcBef>
+                <a:spcPts val="500"/>
+              </a:spcBef>
+              <a:buFont typeface="Arial"/>
+              <a:buChar char="•"/>
+              <a:defRPr sz="1800" kern="1200">
+                <a:solidFill>
+                  <a:schemeClr val="tx1"/>
+                </a:solidFill>
+                <a:latin typeface="+mn-lt"/>
+                <a:ea typeface="+mn-ea"/>
+                <a:cs typeface="+mn-cs"/>
+              </a:defRPr>
+            </a:lvl8pPr>
+            <a:lvl9pPr marL="3886200" indent="-228600" algn="l" defTabSz="914400" rtl="0" eaLnBrk="1" latinLnBrk="0" hangingPunct="1">
+              <a:lnSpc>
+                <a:spcPct val="90000"/>
+              </a:lnSpc>
+              <a:spcBef>
+                <a:spcPts val="500"/>
+              </a:spcBef>
+              <a:buFont typeface="Arial"/>
+              <a:buChar char="•"/>
+              <a:defRPr sz="1800" kern="1200">
+                <a:solidFill>
+                  <a:schemeClr val="tx1"/>
+                </a:solidFill>
+                <a:latin typeface="+mn-lt"/>
+                <a:ea typeface="+mn-ea"/>
+                <a:cs typeface="+mn-cs"/>
+              </a:defRPr>
+            </a:lvl9pPr>
+          </a:lstStyle>
+          <a:p>
+            <a:pPr marL="0" indent="0">
+              <a:buNone/>
+            </a:pPr>
+            <a:endParaRPr lang="en-US" sz="2200" dirty="0"/>
+          </a:p>
+        </p:txBody>
+      </p:sp>
+      <p:sp>
+        <p:nvSpPr>
+          <p:cNvPr id="10" name="Content Placeholder 2">
+            <a:extLst>
+              <a:ext uri="{FF2B5EF4-FFF2-40B4-BE49-F238E27FC236}">
+                <a16:creationId xmlns:a16="http://schemas.microsoft.com/office/drawing/2014/main" id="{AE706D50-7D14-4DB8-BE17-5497AA1715EE}"/>
+              </a:ext>
+            </a:extLst>
+          </p:cNvPr>
+          <p:cNvSpPr txBox="1">
+            <a:spLocks/>
+          </p:cNvSpPr>
+          <p:nvPr/>
+        </p:nvSpPr>
+        <p:spPr>
+          <a:xfrm>
+            <a:off x="6172200" y="2506661"/>
+            <a:ext cx="4614949" cy="3670301"/>
+          </a:xfrm>
+          <a:prstGeom prst="rect">
+            <a:avLst/>
+          </a:prstGeom>
+        </p:spPr>
+        <p:txBody>
+          <a:bodyPr vert="horz" lIns="91440" tIns="45720" rIns="91440" bIns="45720" rtlCol="0">
+            <a:normAutofit/>
+          </a:bodyPr>
+          <a:lstStyle>
+            <a:lvl1pPr marL="228600" indent="-228600" algn="l" defTabSz="914400" rtl="0" eaLnBrk="1" latinLnBrk="0" hangingPunct="1">
+              <a:lnSpc>
+                <a:spcPct val="90000"/>
+              </a:lnSpc>
+              <a:spcBef>
+                <a:spcPts val="1000"/>
+              </a:spcBef>
+              <a:buFont typeface="Arial"/>
+              <a:buChar char="•"/>
+              <a:defRPr sz="2800" kern="1200">
+                <a:solidFill>
+                  <a:srgbClr val="0070C0"/>
+                </a:solidFill>
+                <a:latin typeface="IBM Plex Mono Text" panose="020B0509050203000203" pitchFamily="49" charset="0"/>
+                <a:ea typeface="+mn-ea"/>
+                <a:cs typeface="+mn-cs"/>
+              </a:defRPr>
+            </a:lvl1pPr>
+            <a:lvl2pPr marL="685800" indent="-228600" algn="l" defTabSz="914400" rtl="0" eaLnBrk="1" latinLnBrk="0" hangingPunct="1">
+              <a:lnSpc>
+                <a:spcPct val="90000"/>
+              </a:lnSpc>
+              <a:spcBef>
+                <a:spcPts val="500"/>
+              </a:spcBef>
+              <a:buFont typeface="Arial"/>
+              <a:buChar char="•"/>
+              <a:defRPr sz="2400" kern="1200">
+                <a:solidFill>
+                  <a:srgbClr val="0070C0"/>
+                </a:solidFill>
+                <a:latin typeface="IBM Plex Mono Text" panose="020B0509050203000203" pitchFamily="49" charset="0"/>
+                <a:ea typeface="+mn-ea"/>
+                <a:cs typeface="+mn-cs"/>
+              </a:defRPr>
+            </a:lvl2pPr>
+            <a:lvl3pPr marL="1143000" indent="-228600" algn="l" defTabSz="914400" rtl="0" eaLnBrk="1" latinLnBrk="0" hangingPunct="1">
+              <a:lnSpc>
+                <a:spcPct val="90000"/>
+              </a:lnSpc>
+              <a:spcBef>
+                <a:spcPts val="500"/>
+              </a:spcBef>
+              <a:buFont typeface="Arial"/>
+              <a:buChar char="•"/>
+              <a:defRPr sz="2000" kern="1200">
+                <a:solidFill>
+                  <a:srgbClr val="0070C0"/>
+                </a:solidFill>
+                <a:latin typeface="IBM Plex Mono Text" panose="020B0509050203000203" pitchFamily="49" charset="0"/>
+                <a:ea typeface="+mn-ea"/>
+                <a:cs typeface="+mn-cs"/>
+              </a:defRPr>
+            </a:lvl3pPr>
+            <a:lvl4pPr marL="1600200" indent="-228600" algn="l" defTabSz="914400" rtl="0" eaLnBrk="1" latinLnBrk="0" hangingPunct="1">
+              <a:lnSpc>
+                <a:spcPct val="90000"/>
+              </a:lnSpc>
+              <a:spcBef>
+                <a:spcPts val="500"/>
+              </a:spcBef>
+              <a:buFont typeface="Arial"/>
+              <a:buChar char="•"/>
+              <a:defRPr sz="1800" kern="1200">
+                <a:solidFill>
+                  <a:srgbClr val="0070C0"/>
+                </a:solidFill>
+                <a:latin typeface="IBM Plex Mono Text" panose="020B0509050203000203" pitchFamily="49" charset="0"/>
+                <a:ea typeface="+mn-ea"/>
+                <a:cs typeface="+mn-cs"/>
+              </a:defRPr>
+            </a:lvl4pPr>
+            <a:lvl5pPr marL="2057400" indent="-228600" algn="l" defTabSz="914400" rtl="0" eaLnBrk="1" latinLnBrk="0" hangingPunct="1">
+              <a:lnSpc>
+                <a:spcPct val="90000"/>
+              </a:lnSpc>
+              <a:spcBef>
+                <a:spcPts val="500"/>
+              </a:spcBef>
+              <a:buFont typeface="Arial"/>
+              <a:buChar char="•"/>
+              <a:defRPr sz="1800" kern="1200">
+                <a:solidFill>
+                  <a:srgbClr val="0070C0"/>
+                </a:solidFill>
+                <a:latin typeface="IBM Plex Mono Text" panose="020B0509050203000203" pitchFamily="49" charset="0"/>
+                <a:ea typeface="+mn-ea"/>
+                <a:cs typeface="+mn-cs"/>
+              </a:defRPr>
+            </a:lvl5pPr>
+            <a:lvl6pPr marL="2514600" indent="-228600" algn="l" defTabSz="914400" rtl="0" eaLnBrk="1" latinLnBrk="0" hangingPunct="1">
+              <a:lnSpc>
+                <a:spcPct val="90000"/>
+              </a:lnSpc>
+              <a:spcBef>
+                <a:spcPts val="500"/>
+              </a:spcBef>
+              <a:buFont typeface="Arial"/>
+              <a:buChar char="•"/>
+              <a:defRPr sz="1800" kern="1200">
+                <a:solidFill>
+                  <a:schemeClr val="tx1"/>
+                </a:solidFill>
+                <a:latin typeface="+mn-lt"/>
+                <a:ea typeface="+mn-ea"/>
+                <a:cs typeface="+mn-cs"/>
+              </a:defRPr>
+            </a:lvl6pPr>
+            <a:lvl7pPr marL="2971800" indent="-228600" algn="l" defTabSz="914400" rtl="0" eaLnBrk="1" latinLnBrk="0" hangingPunct="1">
+              <a:lnSpc>
+                <a:spcPct val="90000"/>
+              </a:lnSpc>
+              <a:spcBef>
+                <a:spcPts val="500"/>
+              </a:spcBef>
+              <a:buFont typeface="Arial"/>
+              <a:buChar char="•"/>
+              <a:defRPr sz="1800" kern="1200">
+                <a:solidFill>
+                  <a:schemeClr val="tx1"/>
+                </a:solidFill>
+                <a:latin typeface="+mn-lt"/>
+                <a:ea typeface="+mn-ea"/>
+                <a:cs typeface="+mn-cs"/>
+              </a:defRPr>
+            </a:lvl7pPr>
+            <a:lvl8pPr marL="3429000" indent="-228600" algn="l" defTabSz="914400" rtl="0" eaLnBrk="1" latinLnBrk="0" hangingPunct="1">
+              <a:lnSpc>
+                <a:spcPct val="90000"/>
+              </a:lnSpc>
+              <a:spcBef>
+                <a:spcPts val="500"/>
+              </a:spcBef>
+              <a:buFont typeface="Arial"/>
+              <a:buChar char="•"/>
+              <a:defRPr sz="1800" kern="1200">
+                <a:solidFill>
+                  <a:schemeClr val="tx1"/>
+                </a:solidFill>
+                <a:latin typeface="+mn-lt"/>
+                <a:ea typeface="+mn-ea"/>
+                <a:cs typeface="+mn-cs"/>
+              </a:defRPr>
+            </a:lvl8pPr>
+            <a:lvl9pPr marL="3886200" indent="-228600" algn="l" defTabSz="914400" rtl="0" eaLnBrk="1" latinLnBrk="0" hangingPunct="1">
+              <a:lnSpc>
+                <a:spcPct val="90000"/>
+              </a:lnSpc>
+              <a:spcBef>
+                <a:spcPts val="500"/>
+              </a:spcBef>
+              <a:buFont typeface="Arial"/>
+              <a:buChar char="•"/>
+              <a:defRPr sz="1800" kern="1200">
+                <a:solidFill>
+                  <a:schemeClr val="tx1"/>
+                </a:solidFill>
+                <a:latin typeface="+mn-lt"/>
+                <a:ea typeface="+mn-ea"/>
+                <a:cs typeface="+mn-cs"/>
+              </a:defRPr>
+            </a:lvl9pPr>
+          </a:lstStyle>
+          <a:p>
+            <a:pPr marL="0" indent="0">
+              <a:buNone/>
+            </a:pPr>
+            <a:endParaRPr lang="en-US" sz="2200" dirty="0"/>
+          </a:p>
+        </p:txBody>
+      </p:sp>
+      <p:sp>
+        <p:nvSpPr>
+          <p:cNvPr id="6" name="Content Placeholder 2">
+            <a:extLst>
+              <a:ext uri="{FF2B5EF4-FFF2-40B4-BE49-F238E27FC236}">
+                <a16:creationId xmlns:a16="http://schemas.microsoft.com/office/drawing/2014/main" id="{AA2A1CE8-1993-456F-9AF9-888117E5E084}"/>
+              </a:ext>
+            </a:extLst>
+          </p:cNvPr>
+          <p:cNvSpPr txBox="1">
+            <a:spLocks/>
+          </p:cNvSpPr>
+          <p:nvPr/>
+        </p:nvSpPr>
+        <p:spPr>
+          <a:xfrm>
+            <a:off x="813815" y="1651204"/>
+            <a:ext cx="10663481" cy="501939"/>
+          </a:xfrm>
+          <a:prstGeom prst="rect">
+            <a:avLst/>
+          </a:prstGeom>
+        </p:spPr>
+        <p:txBody>
+          <a:bodyPr vert="horz" lIns="91440" tIns="45720" rIns="91440" bIns="45720" rtlCol="0">
+            <a:normAutofit/>
+          </a:bodyPr>
+          <a:lstStyle>
+            <a:lvl1pPr marL="228600" indent="-228600" algn="l" defTabSz="914400" rtl="0" eaLnBrk="1" latinLnBrk="0" hangingPunct="1">
+              <a:lnSpc>
+                <a:spcPct val="90000"/>
+              </a:lnSpc>
+              <a:spcBef>
+                <a:spcPts val="1000"/>
+              </a:spcBef>
+              <a:buFont typeface="Arial"/>
+              <a:buChar char="•"/>
+              <a:defRPr sz="2800" kern="1200">
+                <a:solidFill>
+                  <a:srgbClr val="0070C0"/>
+                </a:solidFill>
+                <a:latin typeface="IBM Plex Mono Text" panose="020B0509050203000203" pitchFamily="49" charset="0"/>
+                <a:ea typeface="+mn-ea"/>
+                <a:cs typeface="+mn-cs"/>
+              </a:defRPr>
+            </a:lvl1pPr>
+            <a:lvl2pPr marL="685800" indent="-228600" algn="l" defTabSz="914400" rtl="0" eaLnBrk="1" latinLnBrk="0" hangingPunct="1">
+              <a:lnSpc>
+                <a:spcPct val="90000"/>
+              </a:lnSpc>
+              <a:spcBef>
+                <a:spcPts val="500"/>
+              </a:spcBef>
+              <a:buFont typeface="Arial"/>
+              <a:buChar char="•"/>
+              <a:defRPr sz="2400" kern="1200">
+                <a:solidFill>
+                  <a:srgbClr val="0070C0"/>
+                </a:solidFill>
+                <a:latin typeface="IBM Plex Mono Text" panose="020B0509050203000203" pitchFamily="49" charset="0"/>
+                <a:ea typeface="+mn-ea"/>
+                <a:cs typeface="+mn-cs"/>
+              </a:defRPr>
+            </a:lvl2pPr>
+            <a:lvl3pPr marL="1143000" indent="-228600" algn="l" defTabSz="914400" rtl="0" eaLnBrk="1" latinLnBrk="0" hangingPunct="1">
+              <a:lnSpc>
+                <a:spcPct val="90000"/>
+              </a:lnSpc>
+              <a:spcBef>
+                <a:spcPts val="500"/>
+              </a:spcBef>
+              <a:buFont typeface="Arial"/>
+              <a:buChar char="•"/>
+              <a:defRPr sz="2000" kern="1200">
+                <a:solidFill>
+                  <a:srgbClr val="0070C0"/>
+                </a:solidFill>
+                <a:latin typeface="IBM Plex Mono Text" panose="020B0509050203000203" pitchFamily="49" charset="0"/>
+                <a:ea typeface="+mn-ea"/>
+                <a:cs typeface="+mn-cs"/>
+              </a:defRPr>
+            </a:lvl3pPr>
+            <a:lvl4pPr marL="1600200" indent="-228600" algn="l" defTabSz="914400" rtl="0" eaLnBrk="1" latinLnBrk="0" hangingPunct="1">
+              <a:lnSpc>
+                <a:spcPct val="90000"/>
+              </a:lnSpc>
+              <a:spcBef>
+                <a:spcPts val="500"/>
+              </a:spcBef>
+              <a:buFont typeface="Arial"/>
+              <a:buChar char="•"/>
+              <a:defRPr sz="1800" kern="1200">
+                <a:solidFill>
+                  <a:srgbClr val="0070C0"/>
+                </a:solidFill>
+                <a:latin typeface="IBM Plex Mono Text" panose="020B0509050203000203" pitchFamily="49" charset="0"/>
+                <a:ea typeface="+mn-ea"/>
+                <a:cs typeface="+mn-cs"/>
+              </a:defRPr>
+            </a:lvl4pPr>
+            <a:lvl5pPr marL="2057400" indent="-228600" algn="l" defTabSz="914400" rtl="0" eaLnBrk="1" latinLnBrk="0" hangingPunct="1">
+              <a:lnSpc>
+                <a:spcPct val="90000"/>
+              </a:lnSpc>
+              <a:spcBef>
+                <a:spcPts val="500"/>
+              </a:spcBef>
+              <a:buFont typeface="Arial"/>
+              <a:buChar char="•"/>
+              <a:defRPr sz="1800" kern="1200">
+                <a:solidFill>
+                  <a:srgbClr val="0070C0"/>
+                </a:solidFill>
+                <a:latin typeface="IBM Plex Mono Text" panose="020B0509050203000203" pitchFamily="49" charset="0"/>
+                <a:ea typeface="+mn-ea"/>
+                <a:cs typeface="+mn-cs"/>
+              </a:defRPr>
+            </a:lvl5pPr>
+            <a:lvl6pPr marL="2514600" indent="-228600" algn="l" defTabSz="914400" rtl="0" eaLnBrk="1" latinLnBrk="0" hangingPunct="1">
+              <a:lnSpc>
+                <a:spcPct val="90000"/>
+              </a:lnSpc>
+              <a:spcBef>
+                <a:spcPts val="500"/>
+              </a:spcBef>
+              <a:buFont typeface="Arial"/>
+              <a:buChar char="•"/>
+              <a:defRPr sz="1800" kern="1200">
+                <a:solidFill>
+                  <a:schemeClr val="tx1"/>
+                </a:solidFill>
+                <a:latin typeface="+mn-lt"/>
+                <a:ea typeface="+mn-ea"/>
+                <a:cs typeface="+mn-cs"/>
+              </a:defRPr>
+            </a:lvl6pPr>
+            <a:lvl7pPr marL="2971800" indent="-228600" algn="l" defTabSz="914400" rtl="0" eaLnBrk="1" latinLnBrk="0" hangingPunct="1">
+              <a:lnSpc>
+                <a:spcPct val="90000"/>
+              </a:lnSpc>
+              <a:spcBef>
+                <a:spcPts val="500"/>
+              </a:spcBef>
+              <a:buFont typeface="Arial"/>
+              <a:buChar char="•"/>
+              <a:defRPr sz="1800" kern="1200">
+                <a:solidFill>
+                  <a:schemeClr val="tx1"/>
+                </a:solidFill>
+                <a:latin typeface="+mn-lt"/>
+                <a:ea typeface="+mn-ea"/>
+                <a:cs typeface="+mn-cs"/>
+              </a:defRPr>
+            </a:lvl7pPr>
+            <a:lvl8pPr marL="3429000" indent="-228600" algn="l" defTabSz="914400" rtl="0" eaLnBrk="1" latinLnBrk="0" hangingPunct="1">
+              <a:lnSpc>
+                <a:spcPct val="90000"/>
+              </a:lnSpc>
+              <a:spcBef>
+                <a:spcPts val="500"/>
+              </a:spcBef>
+              <a:buFont typeface="Arial"/>
+              <a:buChar char="•"/>
+              <a:defRPr sz="1800" kern="1200">
+                <a:solidFill>
+                  <a:schemeClr val="tx1"/>
+                </a:solidFill>
+                <a:latin typeface="+mn-lt"/>
+                <a:ea typeface="+mn-ea"/>
+                <a:cs typeface="+mn-cs"/>
+              </a:defRPr>
+            </a:lvl8pPr>
+            <a:lvl9pPr marL="3886200" indent="-228600" algn="l" defTabSz="914400" rtl="0" eaLnBrk="1" latinLnBrk="0" hangingPunct="1">
+              <a:lnSpc>
+                <a:spcPct val="90000"/>
+              </a:lnSpc>
+              <a:spcBef>
+                <a:spcPts val="500"/>
+              </a:spcBef>
+              <a:buFont typeface="Arial"/>
+              <a:buChar char="•"/>
+              <a:defRPr sz="1800" kern="1200">
+                <a:solidFill>
+                  <a:schemeClr val="tx1"/>
+                </a:solidFill>
+                <a:latin typeface="+mn-lt"/>
+                <a:ea typeface="+mn-ea"/>
+                <a:cs typeface="+mn-cs"/>
+              </a:defRPr>
+            </a:lvl9pPr>
+          </a:lstStyle>
+          <a:p>
+            <a:pPr marL="0" indent="0">
+              <a:buFont typeface="Arial"/>
+              <a:buNone/>
+            </a:pPr>
+            <a:r>
+              <a:rPr lang="en-US" dirty="0"/>
+              <a:t>Including the following:</a:t>
+            </a:r>
+          </a:p>
+        </p:txBody>
+      </p:sp>
+    </p:spTree>
+    <p:extLst>
+      <p:ext uri="{BB962C8B-B14F-4D97-AF65-F5344CB8AC3E}">
+        <p14:creationId xmlns:p14="http://schemas.microsoft.com/office/powerpoint/2010/main" val="2360988635"/>
+      </p:ext>
+    </p:extLst>
+  </p:cSld>
+  <p:clrMapOvr>
+    <a:masterClrMapping/>
+  </p:clrMapOvr>
+</p:sld>
+</file>
+
+<file path=ppt/slides/slide11.xml><?xml version="1.0" encoding="utf-8"?>
+<p:sld xmlns:a="http://schemas.openxmlformats.org/drawingml/2006/main" xmlns:r="http://schemas.openxmlformats.org/officeDocument/2006/relationships" xmlns:p="http://schemas.openxmlformats.org/presentationml/2006/main">
+  <p:cSld>
+    <p:spTree>
+      <p:nvGrpSpPr>
+        <p:cNvPr id="1" name=""/>
+        <p:cNvGrpSpPr/>
+        <p:nvPr/>
+      </p:nvGrpSpPr>
+      <p:grpSpPr>
+        <a:xfrm>
+          <a:off x="0" y="0"/>
+          <a:ext cx="0" cy="0"/>
+          <a:chOff x="0" y="0"/>
+          <a:chExt cx="0" cy="0"/>
+        </a:xfrm>
+      </p:grpSpPr>
+      <p:sp>
+        <p:nvSpPr>
+          <p:cNvPr id="2" name="Title 1">
+            <a:extLst>
+              <a:ext uri="{FF2B5EF4-FFF2-40B4-BE49-F238E27FC236}">
+                <a16:creationId xmlns:a16="http://schemas.microsoft.com/office/drawing/2014/main" id="{65C3525F-7CB4-4C06-B037-C81D2DED9B80}"/>
+              </a:ext>
+            </a:extLst>
+          </p:cNvPr>
+          <p:cNvSpPr>
+            <a:spLocks noGrp="1"/>
+          </p:cNvSpPr>
+          <p:nvPr>
+            <p:ph type="title"/>
+          </p:nvPr>
+        </p:nvSpPr>
+        <p:spPr/>
+        <p:txBody>
+          <a:bodyPr/>
+          <a:lstStyle/>
+          <a:p>
+            <a:r>
+              <a:rPr lang="en-US" dirty="0"/>
+              <a:t>EDA with SQL</a:t>
+            </a:r>
+          </a:p>
+        </p:txBody>
+      </p:sp>
+      <p:sp>
+        <p:nvSpPr>
+          <p:cNvPr id="8" name="Content Placeholder 2">
+            <a:extLst>
+              <a:ext uri="{FF2B5EF4-FFF2-40B4-BE49-F238E27FC236}">
+                <a16:creationId xmlns:a16="http://schemas.microsoft.com/office/drawing/2014/main" id="{D13C2F43-A283-4FD4-9C0D-BFF93C50AC01}"/>
+              </a:ext>
+            </a:extLst>
+          </p:cNvPr>
+          <p:cNvSpPr txBox="1">
+            <a:spLocks/>
+          </p:cNvSpPr>
+          <p:nvPr/>
+        </p:nvSpPr>
+        <p:spPr>
+          <a:xfrm>
+            <a:off x="838199" y="2506661"/>
+            <a:ext cx="4614949" cy="3670301"/>
+          </a:xfrm>
+          <a:prstGeom prst="rect">
+            <a:avLst/>
+          </a:prstGeom>
+        </p:spPr>
+        <p:txBody>
+          <a:bodyPr vert="horz" lIns="91440" tIns="45720" rIns="91440" bIns="45720" rtlCol="0">
+            <a:normAutofit/>
+          </a:bodyPr>
+          <a:lstStyle>
+            <a:lvl1pPr marL="228600" indent="-228600" algn="l" defTabSz="914400" rtl="0" eaLnBrk="1" latinLnBrk="0" hangingPunct="1">
+              <a:lnSpc>
+                <a:spcPct val="90000"/>
+              </a:lnSpc>
+              <a:spcBef>
+                <a:spcPts val="1000"/>
+              </a:spcBef>
+              <a:buFont typeface="Arial"/>
+              <a:buChar char="•"/>
+              <a:defRPr sz="2800" kern="1200">
+                <a:solidFill>
+                  <a:srgbClr val="0070C0"/>
+                </a:solidFill>
+                <a:latin typeface="IBM Plex Mono Text" panose="020B0509050203000203" pitchFamily="49" charset="0"/>
+                <a:ea typeface="+mn-ea"/>
+                <a:cs typeface="+mn-cs"/>
+              </a:defRPr>
+            </a:lvl1pPr>
+            <a:lvl2pPr marL="685800" indent="-228600" algn="l" defTabSz="914400" rtl="0" eaLnBrk="1" latinLnBrk="0" hangingPunct="1">
+              <a:lnSpc>
+                <a:spcPct val="90000"/>
+              </a:lnSpc>
+              <a:spcBef>
+                <a:spcPts val="500"/>
+              </a:spcBef>
+              <a:buFont typeface="Arial"/>
+              <a:buChar char="•"/>
+              <a:defRPr sz="2400" kern="1200">
+                <a:solidFill>
+                  <a:srgbClr val="0070C0"/>
+                </a:solidFill>
+                <a:latin typeface="IBM Plex Mono Text" panose="020B0509050203000203" pitchFamily="49" charset="0"/>
+                <a:ea typeface="+mn-ea"/>
+                <a:cs typeface="+mn-cs"/>
+              </a:defRPr>
+            </a:lvl2pPr>
+            <a:lvl3pPr marL="1143000" indent="-228600" algn="l" defTabSz="914400" rtl="0" eaLnBrk="1" latinLnBrk="0" hangingPunct="1">
+              <a:lnSpc>
+                <a:spcPct val="90000"/>
+              </a:lnSpc>
+              <a:spcBef>
+                <a:spcPts val="500"/>
+              </a:spcBef>
+              <a:buFont typeface="Arial"/>
+              <a:buChar char="•"/>
+              <a:defRPr sz="2000" kern="1200">
+                <a:solidFill>
+                  <a:srgbClr val="0070C0"/>
+                </a:solidFill>
+                <a:latin typeface="IBM Plex Mono Text" panose="020B0509050203000203" pitchFamily="49" charset="0"/>
+                <a:ea typeface="+mn-ea"/>
+                <a:cs typeface="+mn-cs"/>
+              </a:defRPr>
+            </a:lvl3pPr>
+            <a:lvl4pPr marL="1600200" indent="-228600" algn="l" defTabSz="914400" rtl="0" eaLnBrk="1" latinLnBrk="0" hangingPunct="1">
+              <a:lnSpc>
+                <a:spcPct val="90000"/>
+              </a:lnSpc>
+              <a:spcBef>
+                <a:spcPts val="500"/>
+              </a:spcBef>
+              <a:buFont typeface="Arial"/>
+              <a:buChar char="•"/>
+              <a:defRPr sz="1800" kern="1200">
+                <a:solidFill>
+                  <a:srgbClr val="0070C0"/>
+                </a:solidFill>
+                <a:latin typeface="IBM Plex Mono Text" panose="020B0509050203000203" pitchFamily="49" charset="0"/>
+                <a:ea typeface="+mn-ea"/>
+                <a:cs typeface="+mn-cs"/>
+              </a:defRPr>
+            </a:lvl4pPr>
+            <a:lvl5pPr marL="2057400" indent="-228600" algn="l" defTabSz="914400" rtl="0" eaLnBrk="1" latinLnBrk="0" hangingPunct="1">
+              <a:lnSpc>
+                <a:spcPct val="90000"/>
+              </a:lnSpc>
+              <a:spcBef>
+                <a:spcPts val="500"/>
+              </a:spcBef>
+              <a:buFont typeface="Arial"/>
+              <a:buChar char="•"/>
+              <a:defRPr sz="1800" kern="1200">
+                <a:solidFill>
+                  <a:srgbClr val="0070C0"/>
+                </a:solidFill>
+                <a:latin typeface="IBM Plex Mono Text" panose="020B0509050203000203" pitchFamily="49" charset="0"/>
+                <a:ea typeface="+mn-ea"/>
+                <a:cs typeface="+mn-cs"/>
+              </a:defRPr>
+            </a:lvl5pPr>
+            <a:lvl6pPr marL="2514600" indent="-228600" algn="l" defTabSz="914400" rtl="0" eaLnBrk="1" latinLnBrk="0" hangingPunct="1">
+              <a:lnSpc>
+                <a:spcPct val="90000"/>
+              </a:lnSpc>
+              <a:spcBef>
+                <a:spcPts val="500"/>
+              </a:spcBef>
+              <a:buFont typeface="Arial"/>
+              <a:buChar char="•"/>
+              <a:defRPr sz="1800" kern="1200">
+                <a:solidFill>
+                  <a:schemeClr val="tx1"/>
+                </a:solidFill>
+                <a:latin typeface="+mn-lt"/>
+                <a:ea typeface="+mn-ea"/>
+                <a:cs typeface="+mn-cs"/>
+              </a:defRPr>
+            </a:lvl6pPr>
+            <a:lvl7pPr marL="2971800" indent="-228600" algn="l" defTabSz="914400" rtl="0" eaLnBrk="1" latinLnBrk="0" hangingPunct="1">
+              <a:lnSpc>
+                <a:spcPct val="90000"/>
+              </a:lnSpc>
+              <a:spcBef>
+                <a:spcPts val="500"/>
+              </a:spcBef>
+              <a:buFont typeface="Arial"/>
+              <a:buChar char="•"/>
+              <a:defRPr sz="1800" kern="1200">
+                <a:solidFill>
+                  <a:schemeClr val="tx1"/>
+                </a:solidFill>
+                <a:latin typeface="+mn-lt"/>
+                <a:ea typeface="+mn-ea"/>
+                <a:cs typeface="+mn-cs"/>
+              </a:defRPr>
+            </a:lvl7pPr>
+            <a:lvl8pPr marL="3429000" indent="-228600" algn="l" defTabSz="914400" rtl="0" eaLnBrk="1" latinLnBrk="0" hangingPunct="1">
+              <a:lnSpc>
+                <a:spcPct val="90000"/>
+              </a:lnSpc>
+              <a:spcBef>
+                <a:spcPts val="500"/>
+              </a:spcBef>
+              <a:buFont typeface="Arial"/>
+              <a:buChar char="•"/>
+              <a:defRPr sz="1800" kern="1200">
+                <a:solidFill>
+                  <a:schemeClr val="tx1"/>
+                </a:solidFill>
+                <a:latin typeface="+mn-lt"/>
+                <a:ea typeface="+mn-ea"/>
+                <a:cs typeface="+mn-cs"/>
+              </a:defRPr>
+            </a:lvl8pPr>
+            <a:lvl9pPr marL="3886200" indent="-228600" algn="l" defTabSz="914400" rtl="0" eaLnBrk="1" latinLnBrk="0" hangingPunct="1">
+              <a:lnSpc>
+                <a:spcPct val="90000"/>
+              </a:lnSpc>
+              <a:spcBef>
+                <a:spcPts val="500"/>
+              </a:spcBef>
+              <a:buFont typeface="Arial"/>
+              <a:buChar char="•"/>
+              <a:defRPr sz="1800" kern="1200">
+                <a:solidFill>
+                  <a:schemeClr val="tx1"/>
+                </a:solidFill>
+                <a:latin typeface="+mn-lt"/>
+                <a:ea typeface="+mn-ea"/>
+                <a:cs typeface="+mn-cs"/>
+              </a:defRPr>
+            </a:lvl9pPr>
+          </a:lstStyle>
+          <a:p>
+            <a:pPr marL="0" indent="0">
+              <a:buNone/>
+            </a:pPr>
+            <a:endParaRPr lang="en-US" sz="2200" dirty="0"/>
+          </a:p>
+        </p:txBody>
+      </p:sp>
+      <p:sp>
+        <p:nvSpPr>
+          <p:cNvPr id="10" name="Content Placeholder 2">
+            <a:extLst>
+              <a:ext uri="{FF2B5EF4-FFF2-40B4-BE49-F238E27FC236}">
+                <a16:creationId xmlns:a16="http://schemas.microsoft.com/office/drawing/2014/main" id="{AE706D50-7D14-4DB8-BE17-5497AA1715EE}"/>
+              </a:ext>
+            </a:extLst>
+          </p:cNvPr>
+          <p:cNvSpPr txBox="1">
+            <a:spLocks/>
+          </p:cNvSpPr>
+          <p:nvPr/>
+        </p:nvSpPr>
+        <p:spPr>
+          <a:xfrm>
+            <a:off x="6172200" y="2506661"/>
+            <a:ext cx="4614949" cy="3670301"/>
+          </a:xfrm>
+          <a:prstGeom prst="rect">
+            <a:avLst/>
+          </a:prstGeom>
+        </p:spPr>
+        <p:txBody>
+          <a:bodyPr vert="horz" lIns="91440" tIns="45720" rIns="91440" bIns="45720" rtlCol="0">
+            <a:normAutofit/>
+          </a:bodyPr>
+          <a:lstStyle>
+            <a:lvl1pPr marL="228600" indent="-228600" algn="l" defTabSz="914400" rtl="0" eaLnBrk="1" latinLnBrk="0" hangingPunct="1">
+              <a:lnSpc>
+                <a:spcPct val="90000"/>
+              </a:lnSpc>
+              <a:spcBef>
+                <a:spcPts val="1000"/>
+              </a:spcBef>
+              <a:buFont typeface="Arial"/>
+              <a:buChar char="•"/>
+              <a:defRPr sz="2800" kern="1200">
+                <a:solidFill>
+                  <a:srgbClr val="0070C0"/>
+                </a:solidFill>
+                <a:latin typeface="IBM Plex Mono Text" panose="020B0509050203000203" pitchFamily="49" charset="0"/>
+                <a:ea typeface="+mn-ea"/>
+                <a:cs typeface="+mn-cs"/>
+              </a:defRPr>
+            </a:lvl1pPr>
+            <a:lvl2pPr marL="685800" indent="-228600" algn="l" defTabSz="914400" rtl="0" eaLnBrk="1" latinLnBrk="0" hangingPunct="1">
+              <a:lnSpc>
+                <a:spcPct val="90000"/>
+              </a:lnSpc>
+              <a:spcBef>
+                <a:spcPts val="500"/>
+              </a:spcBef>
+              <a:buFont typeface="Arial"/>
+              <a:buChar char="•"/>
+              <a:defRPr sz="2400" kern="1200">
+                <a:solidFill>
+                  <a:srgbClr val="0070C0"/>
+                </a:solidFill>
+                <a:latin typeface="IBM Plex Mono Text" panose="020B0509050203000203" pitchFamily="49" charset="0"/>
+                <a:ea typeface="+mn-ea"/>
+                <a:cs typeface="+mn-cs"/>
+              </a:defRPr>
+            </a:lvl2pPr>
+            <a:lvl3pPr marL="1143000" indent="-228600" algn="l" defTabSz="914400" rtl="0" eaLnBrk="1" latinLnBrk="0" hangingPunct="1">
+              <a:lnSpc>
+                <a:spcPct val="90000"/>
+              </a:lnSpc>
+              <a:spcBef>
+                <a:spcPts val="500"/>
+              </a:spcBef>
+              <a:buFont typeface="Arial"/>
+              <a:buChar char="•"/>
+              <a:defRPr sz="2000" kern="1200">
+                <a:solidFill>
+                  <a:srgbClr val="0070C0"/>
+                </a:solidFill>
+                <a:latin typeface="IBM Plex Mono Text" panose="020B0509050203000203" pitchFamily="49" charset="0"/>
+                <a:ea typeface="+mn-ea"/>
+                <a:cs typeface="+mn-cs"/>
+              </a:defRPr>
+            </a:lvl3pPr>
+            <a:lvl4pPr marL="1600200" indent="-228600" algn="l" defTabSz="914400" rtl="0" eaLnBrk="1" latinLnBrk="0" hangingPunct="1">
+              <a:lnSpc>
+                <a:spcPct val="90000"/>
+              </a:lnSpc>
+              <a:spcBef>
+                <a:spcPts val="500"/>
+              </a:spcBef>
+              <a:buFont typeface="Arial"/>
+              <a:buChar char="•"/>
+              <a:defRPr sz="1800" kern="1200">
+                <a:solidFill>
+                  <a:srgbClr val="0070C0"/>
+                </a:solidFill>
+                <a:latin typeface="IBM Plex Mono Text" panose="020B0509050203000203" pitchFamily="49" charset="0"/>
+                <a:ea typeface="+mn-ea"/>
+                <a:cs typeface="+mn-cs"/>
+              </a:defRPr>
+            </a:lvl4pPr>
+            <a:lvl5pPr marL="2057400" indent="-228600" algn="l" defTabSz="914400" rtl="0" eaLnBrk="1" latinLnBrk="0" hangingPunct="1">
+              <a:lnSpc>
+                <a:spcPct val="90000"/>
+              </a:lnSpc>
+              <a:spcBef>
+                <a:spcPts val="500"/>
+              </a:spcBef>
+              <a:buFont typeface="Arial"/>
+              <a:buChar char="•"/>
+              <a:defRPr sz="1800" kern="1200">
+                <a:solidFill>
+                  <a:srgbClr val="0070C0"/>
+                </a:solidFill>
+                <a:latin typeface="IBM Plex Mono Text" panose="020B0509050203000203" pitchFamily="49" charset="0"/>
+                <a:ea typeface="+mn-ea"/>
+                <a:cs typeface="+mn-cs"/>
+              </a:defRPr>
+            </a:lvl5pPr>
+            <a:lvl6pPr marL="2514600" indent="-228600" algn="l" defTabSz="914400" rtl="0" eaLnBrk="1" latinLnBrk="0" hangingPunct="1">
+              <a:lnSpc>
+                <a:spcPct val="90000"/>
+              </a:lnSpc>
+              <a:spcBef>
+                <a:spcPts val="500"/>
+              </a:spcBef>
+              <a:buFont typeface="Arial"/>
+              <a:buChar char="•"/>
+              <a:defRPr sz="1800" kern="1200">
+                <a:solidFill>
+                  <a:schemeClr val="tx1"/>
+                </a:solidFill>
+                <a:latin typeface="+mn-lt"/>
+                <a:ea typeface="+mn-ea"/>
+                <a:cs typeface="+mn-cs"/>
+              </a:defRPr>
+            </a:lvl6pPr>
+            <a:lvl7pPr marL="2971800" indent="-228600" algn="l" defTabSz="914400" rtl="0" eaLnBrk="1" latinLnBrk="0" hangingPunct="1">
+              <a:lnSpc>
+                <a:spcPct val="90000"/>
+              </a:lnSpc>
+              <a:spcBef>
+                <a:spcPts val="500"/>
+              </a:spcBef>
+              <a:buFont typeface="Arial"/>
+              <a:buChar char="•"/>
+              <a:defRPr sz="1800" kern="1200">
+                <a:solidFill>
+                  <a:schemeClr val="tx1"/>
+                </a:solidFill>
+                <a:latin typeface="+mn-lt"/>
+                <a:ea typeface="+mn-ea"/>
+                <a:cs typeface="+mn-cs"/>
+              </a:defRPr>
+            </a:lvl7pPr>
+            <a:lvl8pPr marL="3429000" indent="-228600" algn="l" defTabSz="914400" rtl="0" eaLnBrk="1" latinLnBrk="0" hangingPunct="1">
+              <a:lnSpc>
+                <a:spcPct val="90000"/>
+              </a:lnSpc>
+              <a:spcBef>
+                <a:spcPts val="500"/>
+              </a:spcBef>
+              <a:buFont typeface="Arial"/>
+              <a:buChar char="•"/>
+              <a:defRPr sz="1800" kern="1200">
+                <a:solidFill>
+                  <a:schemeClr val="tx1"/>
+                </a:solidFill>
+                <a:latin typeface="+mn-lt"/>
+                <a:ea typeface="+mn-ea"/>
+                <a:cs typeface="+mn-cs"/>
+              </a:defRPr>
+            </a:lvl8pPr>
+            <a:lvl9pPr marL="3886200" indent="-228600" algn="l" defTabSz="914400" rtl="0" eaLnBrk="1" latinLnBrk="0" hangingPunct="1">
+              <a:lnSpc>
+                <a:spcPct val="90000"/>
+              </a:lnSpc>
+              <a:spcBef>
+                <a:spcPts val="500"/>
+              </a:spcBef>
+              <a:buFont typeface="Arial"/>
+              <a:buChar char="•"/>
+              <a:defRPr sz="1800" kern="1200">
+                <a:solidFill>
+                  <a:schemeClr val="tx1"/>
+                </a:solidFill>
+                <a:latin typeface="+mn-lt"/>
+                <a:ea typeface="+mn-ea"/>
+                <a:cs typeface="+mn-cs"/>
+              </a:defRPr>
+            </a:lvl9pPr>
+          </a:lstStyle>
+          <a:p>
+            <a:pPr marL="0" indent="0">
+              <a:buNone/>
+            </a:pPr>
+            <a:endParaRPr lang="en-US" sz="2200" dirty="0"/>
+          </a:p>
+        </p:txBody>
+      </p:sp>
+      <p:pic>
+        <p:nvPicPr>
+          <p:cNvPr id="9" name="图片 8">
+            <a:extLst>
+              <a:ext uri="{FF2B5EF4-FFF2-40B4-BE49-F238E27FC236}">
+                <a16:creationId xmlns:a16="http://schemas.microsoft.com/office/drawing/2014/main" id="{FB9B6ADA-E78F-F4ED-5BDD-4DAFA035D70E}"/>
+              </a:ext>
+            </a:extLst>
+          </p:cNvPr>
+          <p:cNvPicPr>
+            <a:picLocks noChangeAspect="1"/>
+          </p:cNvPicPr>
+          <p:nvPr/>
+        </p:nvPicPr>
+        <p:blipFill>
+          <a:blip r:embed="rId3"/>
+          <a:stretch>
+            <a:fillRect/>
+          </a:stretch>
+        </p:blipFill>
+        <p:spPr>
+          <a:xfrm>
+            <a:off x="915549" y="1590346"/>
+            <a:ext cx="1343025" cy="1638300"/>
+          </a:xfrm>
+          <a:prstGeom prst="rect">
+            <a:avLst/>
+          </a:prstGeom>
+        </p:spPr>
+      </p:pic>
+      <p:pic>
+        <p:nvPicPr>
+          <p:cNvPr id="14" name="图片 13">
+            <a:extLst>
+              <a:ext uri="{FF2B5EF4-FFF2-40B4-BE49-F238E27FC236}">
+                <a16:creationId xmlns:a16="http://schemas.microsoft.com/office/drawing/2014/main" id="{1981F59C-CB44-47B9-AB5F-FEC21156B479}"/>
+              </a:ext>
+            </a:extLst>
+          </p:cNvPr>
+          <p:cNvPicPr>
+            <a:picLocks noChangeAspect="1"/>
+          </p:cNvPicPr>
+          <p:nvPr/>
+        </p:nvPicPr>
+        <p:blipFill>
+          <a:blip r:embed="rId4"/>
+          <a:stretch>
+            <a:fillRect/>
+          </a:stretch>
+        </p:blipFill>
+        <p:spPr>
+          <a:xfrm>
+            <a:off x="7991147" y="1590346"/>
+            <a:ext cx="1724025" cy="628650"/>
+          </a:xfrm>
+          <a:prstGeom prst="rect">
+            <a:avLst/>
+          </a:prstGeom>
+        </p:spPr>
+      </p:pic>
+      <p:pic>
+        <p:nvPicPr>
+          <p:cNvPr id="16" name="图片 15">
+            <a:extLst>
+              <a:ext uri="{FF2B5EF4-FFF2-40B4-BE49-F238E27FC236}">
+                <a16:creationId xmlns:a16="http://schemas.microsoft.com/office/drawing/2014/main" id="{4BB8E021-B513-CDD6-6EC7-CE0EFEFBD3DD}"/>
+              </a:ext>
+            </a:extLst>
+          </p:cNvPr>
+          <p:cNvPicPr>
+            <a:picLocks noChangeAspect="1"/>
+          </p:cNvPicPr>
+          <p:nvPr/>
+        </p:nvPicPr>
+        <p:blipFill>
+          <a:blip r:embed="rId5"/>
+          <a:stretch>
+            <a:fillRect/>
+          </a:stretch>
+        </p:blipFill>
+        <p:spPr>
+          <a:xfrm>
+            <a:off x="8124497" y="2467247"/>
+            <a:ext cx="1590675" cy="590550"/>
+          </a:xfrm>
+          <a:prstGeom prst="rect">
+            <a:avLst/>
+          </a:prstGeom>
+        </p:spPr>
+      </p:pic>
+      <p:pic>
+        <p:nvPicPr>
+          <p:cNvPr id="20" name="图片 19">
+            <a:extLst>
+              <a:ext uri="{FF2B5EF4-FFF2-40B4-BE49-F238E27FC236}">
+                <a16:creationId xmlns:a16="http://schemas.microsoft.com/office/drawing/2014/main" id="{0C2566F5-C940-32A0-64AC-4A1F7501B2D0}"/>
+              </a:ext>
+            </a:extLst>
+          </p:cNvPr>
+          <p:cNvPicPr>
+            <a:picLocks noChangeAspect="1"/>
+          </p:cNvPicPr>
+          <p:nvPr/>
+        </p:nvPicPr>
+        <p:blipFill>
+          <a:blip r:embed="rId6"/>
+          <a:stretch>
+            <a:fillRect/>
+          </a:stretch>
+        </p:blipFill>
+        <p:spPr>
+          <a:xfrm>
+            <a:off x="7991147" y="3358600"/>
+            <a:ext cx="2438400" cy="628650"/>
+          </a:xfrm>
+          <a:prstGeom prst="rect">
+            <a:avLst/>
+          </a:prstGeom>
+        </p:spPr>
+      </p:pic>
+      <p:pic>
+        <p:nvPicPr>
+          <p:cNvPr id="22" name="图片 21">
+            <a:extLst>
+              <a:ext uri="{FF2B5EF4-FFF2-40B4-BE49-F238E27FC236}">
+                <a16:creationId xmlns:a16="http://schemas.microsoft.com/office/drawing/2014/main" id="{92E24214-4245-C06C-1DDD-D66209E1FE79}"/>
+              </a:ext>
+            </a:extLst>
+          </p:cNvPr>
+          <p:cNvPicPr>
+            <a:picLocks noChangeAspect="1"/>
+          </p:cNvPicPr>
+          <p:nvPr/>
+        </p:nvPicPr>
+        <p:blipFill>
+          <a:blip r:embed="rId7"/>
+          <a:stretch>
+            <a:fillRect/>
+          </a:stretch>
+        </p:blipFill>
+        <p:spPr>
+          <a:xfrm>
+            <a:off x="2509094" y="1528228"/>
+            <a:ext cx="5124451" cy="1956865"/>
+          </a:xfrm>
+          <a:prstGeom prst="rect">
+            <a:avLst/>
+          </a:prstGeom>
+        </p:spPr>
+      </p:pic>
+      <p:pic>
+        <p:nvPicPr>
+          <p:cNvPr id="24" name="图片 23">
+            <a:extLst>
+              <a:ext uri="{FF2B5EF4-FFF2-40B4-BE49-F238E27FC236}">
+                <a16:creationId xmlns:a16="http://schemas.microsoft.com/office/drawing/2014/main" id="{7A0D0FE1-9076-0B8E-98D6-15767B3055FD}"/>
+              </a:ext>
+            </a:extLst>
+          </p:cNvPr>
+          <p:cNvPicPr>
+            <a:picLocks noChangeAspect="1"/>
+          </p:cNvPicPr>
+          <p:nvPr/>
+        </p:nvPicPr>
+        <p:blipFill>
+          <a:blip r:embed="rId8"/>
+          <a:stretch>
+            <a:fillRect/>
+          </a:stretch>
+        </p:blipFill>
+        <p:spPr>
+          <a:xfrm>
+            <a:off x="915549" y="3776498"/>
+            <a:ext cx="1438275" cy="1638300"/>
+          </a:xfrm>
+          <a:prstGeom prst="rect">
+            <a:avLst/>
+          </a:prstGeom>
+        </p:spPr>
+      </p:pic>
+      <p:pic>
+        <p:nvPicPr>
+          <p:cNvPr id="26" name="图片 25">
+            <a:extLst>
+              <a:ext uri="{FF2B5EF4-FFF2-40B4-BE49-F238E27FC236}">
+                <a16:creationId xmlns:a16="http://schemas.microsoft.com/office/drawing/2014/main" id="{4AC59B0D-BDC7-2EED-C338-2121B407729E}"/>
+              </a:ext>
+            </a:extLst>
+          </p:cNvPr>
+          <p:cNvPicPr>
+            <a:picLocks noChangeAspect="1"/>
+          </p:cNvPicPr>
+          <p:nvPr/>
+        </p:nvPicPr>
+        <p:blipFill>
+          <a:blip r:embed="rId9"/>
+          <a:stretch>
+            <a:fillRect/>
+          </a:stretch>
+        </p:blipFill>
+        <p:spPr>
+          <a:xfrm>
+            <a:off x="2707035" y="3840405"/>
+            <a:ext cx="3388965" cy="1615582"/>
+          </a:xfrm>
+          <a:prstGeom prst="rect">
+            <a:avLst/>
+          </a:prstGeom>
+        </p:spPr>
+      </p:pic>
+      <p:pic>
+        <p:nvPicPr>
+          <p:cNvPr id="32" name="图片 31">
+            <a:extLst>
+              <a:ext uri="{FF2B5EF4-FFF2-40B4-BE49-F238E27FC236}">
+                <a16:creationId xmlns:a16="http://schemas.microsoft.com/office/drawing/2014/main" id="{FE583B7F-6545-1302-4939-BEDFEA69DBDD}"/>
+              </a:ext>
+            </a:extLst>
+          </p:cNvPr>
+          <p:cNvPicPr>
+            <a:picLocks noChangeAspect="1"/>
+          </p:cNvPicPr>
+          <p:nvPr/>
+        </p:nvPicPr>
+        <p:blipFill>
+          <a:blip r:embed="rId10"/>
+          <a:stretch>
+            <a:fillRect/>
+          </a:stretch>
+        </p:blipFill>
+        <p:spPr>
+          <a:xfrm>
+            <a:off x="2812332" y="5574420"/>
+            <a:ext cx="2962242" cy="740561"/>
+          </a:xfrm>
+          <a:prstGeom prst="rect">
+            <a:avLst/>
+          </a:prstGeom>
+        </p:spPr>
+      </p:pic>
+      <p:pic>
+        <p:nvPicPr>
+          <p:cNvPr id="34" name="图片 33">
+            <a:extLst>
+              <a:ext uri="{FF2B5EF4-FFF2-40B4-BE49-F238E27FC236}">
+                <a16:creationId xmlns:a16="http://schemas.microsoft.com/office/drawing/2014/main" id="{3CC29F01-7DED-2B6D-DE67-F17D1E9EA12F}"/>
+              </a:ext>
+            </a:extLst>
+          </p:cNvPr>
+          <p:cNvPicPr>
+            <a:picLocks noChangeAspect="1"/>
+          </p:cNvPicPr>
+          <p:nvPr/>
+        </p:nvPicPr>
+        <p:blipFill>
+          <a:blip r:embed="rId11"/>
+          <a:stretch>
+            <a:fillRect/>
+          </a:stretch>
+        </p:blipFill>
+        <p:spPr>
+          <a:xfrm>
+            <a:off x="6172200" y="3742246"/>
+            <a:ext cx="1575144" cy="2572735"/>
+          </a:xfrm>
+          <a:prstGeom prst="rect">
+            <a:avLst/>
+          </a:prstGeom>
+        </p:spPr>
+      </p:pic>
+      <p:pic>
+        <p:nvPicPr>
+          <p:cNvPr id="36" name="图片 35">
+            <a:extLst>
+              <a:ext uri="{FF2B5EF4-FFF2-40B4-BE49-F238E27FC236}">
+                <a16:creationId xmlns:a16="http://schemas.microsoft.com/office/drawing/2014/main" id="{6D257E07-B581-0940-1D41-530E28B56172}"/>
+              </a:ext>
+            </a:extLst>
+          </p:cNvPr>
+          <p:cNvPicPr>
+            <a:picLocks noChangeAspect="1"/>
+          </p:cNvPicPr>
+          <p:nvPr/>
+        </p:nvPicPr>
+        <p:blipFill>
+          <a:blip r:embed="rId12"/>
+          <a:stretch>
+            <a:fillRect/>
+          </a:stretch>
+        </p:blipFill>
+        <p:spPr>
+          <a:xfrm>
+            <a:off x="8479674" y="4080290"/>
+            <a:ext cx="1575144" cy="2003631"/>
+          </a:xfrm>
+          <a:prstGeom prst="rect">
+            <a:avLst/>
+          </a:prstGeom>
+        </p:spPr>
+      </p:pic>
+    </p:spTree>
+    <p:extLst>
+      <p:ext uri="{BB962C8B-B14F-4D97-AF65-F5344CB8AC3E}">
+        <p14:creationId xmlns:p14="http://schemas.microsoft.com/office/powerpoint/2010/main" val="3048280544"/>
+      </p:ext>
+    </p:extLst>
+  </p:cSld>
+  <p:clrMapOvr>
+    <a:masterClrMapping/>
+  </p:clrMapOvr>
+</p:sld>
+</file>
+
+<file path=ppt/slides/slide12.xml><?xml version="1.0" encoding="utf-8"?>
+<p:sld xmlns:a="http://schemas.openxmlformats.org/drawingml/2006/main" xmlns:r="http://schemas.openxmlformats.org/officeDocument/2006/relationships" xmlns:p="http://schemas.openxmlformats.org/presentationml/2006/main">
+  <p:cSld>
+    <p:spTree>
+      <p:nvGrpSpPr>
+        <p:cNvPr id="1" name=""/>
+        <p:cNvGrpSpPr/>
+        <p:nvPr/>
+      </p:nvGrpSpPr>
+      <p:grpSpPr>
+        <a:xfrm>
+          <a:off x="0" y="0"/>
+          <a:ext cx="0" cy="0"/>
+          <a:chOff x="0" y="0"/>
+          <a:chExt cx="0" cy="0"/>
+        </a:xfrm>
+      </p:grpSpPr>
+      <p:sp>
+        <p:nvSpPr>
+          <p:cNvPr id="2" name="Title 1">
+            <a:extLst>
+              <a:ext uri="{FF2B5EF4-FFF2-40B4-BE49-F238E27FC236}">
+                <a16:creationId xmlns:a16="http://schemas.microsoft.com/office/drawing/2014/main" id="{65C3525F-7CB4-4C06-B037-C81D2DED9B80}"/>
+              </a:ext>
+            </a:extLst>
+          </p:cNvPr>
+          <p:cNvSpPr>
+            <a:spLocks noGrp="1"/>
+          </p:cNvSpPr>
+          <p:nvPr>
+            <p:ph type="title"/>
+          </p:nvPr>
+        </p:nvSpPr>
+        <p:spPr/>
+        <p:txBody>
+          <a:bodyPr/>
+          <a:lstStyle/>
+          <a:p>
+            <a:r>
+              <a:rPr lang="en-CA" dirty="0"/>
+              <a:t>Interactive map with Folium</a:t>
+            </a:r>
+            <a:endParaRPr lang="en-US" dirty="0"/>
+          </a:p>
+        </p:txBody>
+      </p:sp>
+      <p:sp>
+        <p:nvSpPr>
+          <p:cNvPr id="3" name="Content Placeholder 2">
+            <a:extLst>
+              <a:ext uri="{FF2B5EF4-FFF2-40B4-BE49-F238E27FC236}">
+                <a16:creationId xmlns:a16="http://schemas.microsoft.com/office/drawing/2014/main" id="{E4FC0D20-FACF-4D73-BD27-CF8F6B97546A}"/>
+              </a:ext>
+            </a:extLst>
+          </p:cNvPr>
+          <p:cNvSpPr>
+            <a:spLocks noGrp="1"/>
+          </p:cNvSpPr>
+          <p:nvPr>
+            <p:ph sz="half" idx="1"/>
+          </p:nvPr>
+        </p:nvSpPr>
+        <p:spPr>
+          <a:xfrm>
+            <a:off x="813815" y="1825625"/>
+            <a:ext cx="10663481" cy="501939"/>
+          </a:xfrm>
+        </p:spPr>
+        <p:txBody>
+          <a:bodyPr/>
+          <a:lstStyle/>
+          <a:p>
+            <a:pPr marL="0" indent="0">
+              <a:buNone/>
+            </a:pPr>
+            <a:r>
+              <a:rPr lang="en-US" dirty="0"/>
+              <a:t>Two main place for SpaceX, one in California and one in Florida</a:t>
+            </a:r>
+          </a:p>
+        </p:txBody>
+      </p:sp>
+      <p:sp>
+        <p:nvSpPr>
+          <p:cNvPr id="8" name="Content Placeholder 2">
+            <a:extLst>
+              <a:ext uri="{FF2B5EF4-FFF2-40B4-BE49-F238E27FC236}">
+                <a16:creationId xmlns:a16="http://schemas.microsoft.com/office/drawing/2014/main" id="{D13C2F43-A283-4FD4-9C0D-BFF93C50AC01}"/>
+              </a:ext>
+            </a:extLst>
+          </p:cNvPr>
+          <p:cNvSpPr txBox="1">
+            <a:spLocks/>
+          </p:cNvSpPr>
+          <p:nvPr/>
+        </p:nvSpPr>
+        <p:spPr>
+          <a:xfrm>
+            <a:off x="838199" y="2506661"/>
+            <a:ext cx="4614949" cy="3670301"/>
+          </a:xfrm>
+          <a:prstGeom prst="rect">
+            <a:avLst/>
+          </a:prstGeom>
+        </p:spPr>
+        <p:txBody>
+          <a:bodyPr vert="horz" lIns="91440" tIns="45720" rIns="91440" bIns="45720" rtlCol="0">
+            <a:normAutofit/>
+          </a:bodyPr>
+          <a:lstStyle>
+            <a:lvl1pPr marL="228600" indent="-228600" algn="l" defTabSz="914400" rtl="0" eaLnBrk="1" latinLnBrk="0" hangingPunct="1">
+              <a:lnSpc>
+                <a:spcPct val="90000"/>
+              </a:lnSpc>
+              <a:spcBef>
+                <a:spcPts val="1000"/>
+              </a:spcBef>
+              <a:buFont typeface="Arial"/>
+              <a:buChar char="•"/>
+              <a:defRPr sz="2800" kern="1200">
+                <a:solidFill>
+                  <a:srgbClr val="0070C0"/>
+                </a:solidFill>
+                <a:latin typeface="IBM Plex Mono Text" panose="020B0509050203000203" pitchFamily="49" charset="0"/>
+                <a:ea typeface="+mn-ea"/>
+                <a:cs typeface="+mn-cs"/>
+              </a:defRPr>
+            </a:lvl1pPr>
+            <a:lvl2pPr marL="685800" indent="-228600" algn="l" defTabSz="914400" rtl="0" eaLnBrk="1" latinLnBrk="0" hangingPunct="1">
+              <a:lnSpc>
+                <a:spcPct val="90000"/>
+              </a:lnSpc>
+              <a:spcBef>
+                <a:spcPts val="500"/>
+              </a:spcBef>
+              <a:buFont typeface="Arial"/>
+              <a:buChar char="•"/>
+              <a:defRPr sz="2400" kern="1200">
+                <a:solidFill>
+                  <a:srgbClr val="0070C0"/>
+                </a:solidFill>
+                <a:latin typeface="IBM Plex Mono Text" panose="020B0509050203000203" pitchFamily="49" charset="0"/>
+                <a:ea typeface="+mn-ea"/>
+                <a:cs typeface="+mn-cs"/>
+              </a:defRPr>
+            </a:lvl2pPr>
+            <a:lvl3pPr marL="1143000" indent="-228600" algn="l" defTabSz="914400" rtl="0" eaLnBrk="1" latinLnBrk="0" hangingPunct="1">
+              <a:lnSpc>
+                <a:spcPct val="90000"/>
+              </a:lnSpc>
+              <a:spcBef>
+                <a:spcPts val="500"/>
+              </a:spcBef>
+              <a:buFont typeface="Arial"/>
+              <a:buChar char="•"/>
+              <a:defRPr sz="2000" kern="1200">
+                <a:solidFill>
+                  <a:srgbClr val="0070C0"/>
+                </a:solidFill>
+                <a:latin typeface="IBM Plex Mono Text" panose="020B0509050203000203" pitchFamily="49" charset="0"/>
+                <a:ea typeface="+mn-ea"/>
+                <a:cs typeface="+mn-cs"/>
+              </a:defRPr>
+            </a:lvl3pPr>
+            <a:lvl4pPr marL="1600200" indent="-228600" algn="l" defTabSz="914400" rtl="0" eaLnBrk="1" latinLnBrk="0" hangingPunct="1">
+              <a:lnSpc>
+                <a:spcPct val="90000"/>
+              </a:lnSpc>
+              <a:spcBef>
+                <a:spcPts val="500"/>
+              </a:spcBef>
+              <a:buFont typeface="Arial"/>
+              <a:buChar char="•"/>
+              <a:defRPr sz="1800" kern="1200">
+                <a:solidFill>
+                  <a:srgbClr val="0070C0"/>
+                </a:solidFill>
+                <a:latin typeface="IBM Plex Mono Text" panose="020B0509050203000203" pitchFamily="49" charset="0"/>
+                <a:ea typeface="+mn-ea"/>
+                <a:cs typeface="+mn-cs"/>
+              </a:defRPr>
+            </a:lvl4pPr>
+            <a:lvl5pPr marL="2057400" indent="-228600" algn="l" defTabSz="914400" rtl="0" eaLnBrk="1" latinLnBrk="0" hangingPunct="1">
+              <a:lnSpc>
+                <a:spcPct val="90000"/>
+              </a:lnSpc>
+              <a:spcBef>
+                <a:spcPts val="500"/>
+              </a:spcBef>
+              <a:buFont typeface="Arial"/>
+              <a:buChar char="•"/>
+              <a:defRPr sz="1800" kern="1200">
+                <a:solidFill>
+                  <a:srgbClr val="0070C0"/>
+                </a:solidFill>
+                <a:latin typeface="IBM Plex Mono Text" panose="020B0509050203000203" pitchFamily="49" charset="0"/>
+                <a:ea typeface="+mn-ea"/>
+                <a:cs typeface="+mn-cs"/>
+              </a:defRPr>
+            </a:lvl5pPr>
+            <a:lvl6pPr marL="2514600" indent="-228600" algn="l" defTabSz="914400" rtl="0" eaLnBrk="1" latinLnBrk="0" hangingPunct="1">
+              <a:lnSpc>
+                <a:spcPct val="90000"/>
+              </a:lnSpc>
+              <a:spcBef>
+                <a:spcPts val="500"/>
+              </a:spcBef>
+              <a:buFont typeface="Arial"/>
+              <a:buChar char="•"/>
+              <a:defRPr sz="1800" kern="1200">
+                <a:solidFill>
+                  <a:schemeClr val="tx1"/>
+                </a:solidFill>
+                <a:latin typeface="+mn-lt"/>
+                <a:ea typeface="+mn-ea"/>
+                <a:cs typeface="+mn-cs"/>
+              </a:defRPr>
+            </a:lvl6pPr>
+            <a:lvl7pPr marL="2971800" indent="-228600" algn="l" defTabSz="914400" rtl="0" eaLnBrk="1" latinLnBrk="0" hangingPunct="1">
+              <a:lnSpc>
+                <a:spcPct val="90000"/>
+              </a:lnSpc>
+              <a:spcBef>
+                <a:spcPts val="500"/>
+              </a:spcBef>
+              <a:buFont typeface="Arial"/>
+              <a:buChar char="•"/>
+              <a:defRPr sz="1800" kern="1200">
+                <a:solidFill>
+                  <a:schemeClr val="tx1"/>
+                </a:solidFill>
+                <a:latin typeface="+mn-lt"/>
+                <a:ea typeface="+mn-ea"/>
+                <a:cs typeface="+mn-cs"/>
+              </a:defRPr>
+            </a:lvl7pPr>
+            <a:lvl8pPr marL="3429000" indent="-228600" algn="l" defTabSz="914400" rtl="0" eaLnBrk="1" latinLnBrk="0" hangingPunct="1">
+              <a:lnSpc>
+                <a:spcPct val="90000"/>
+              </a:lnSpc>
+              <a:spcBef>
+                <a:spcPts val="500"/>
+              </a:spcBef>
+              <a:buFont typeface="Arial"/>
+              <a:buChar char="•"/>
+              <a:defRPr sz="1800" kern="1200">
+                <a:solidFill>
+                  <a:schemeClr val="tx1"/>
+                </a:solidFill>
+                <a:latin typeface="+mn-lt"/>
+                <a:ea typeface="+mn-ea"/>
+                <a:cs typeface="+mn-cs"/>
+              </a:defRPr>
+            </a:lvl8pPr>
+            <a:lvl9pPr marL="3886200" indent="-228600" algn="l" defTabSz="914400" rtl="0" eaLnBrk="1" latinLnBrk="0" hangingPunct="1">
+              <a:lnSpc>
+                <a:spcPct val="90000"/>
+              </a:lnSpc>
+              <a:spcBef>
+                <a:spcPts val="500"/>
+              </a:spcBef>
+              <a:buFont typeface="Arial"/>
+              <a:buChar char="•"/>
+              <a:defRPr sz="1800" kern="1200">
+                <a:solidFill>
+                  <a:schemeClr val="tx1"/>
+                </a:solidFill>
+                <a:latin typeface="+mn-lt"/>
+                <a:ea typeface="+mn-ea"/>
+                <a:cs typeface="+mn-cs"/>
+              </a:defRPr>
+            </a:lvl9pPr>
+          </a:lstStyle>
+          <a:p>
+            <a:pPr marL="0" indent="0">
+              <a:buNone/>
+            </a:pPr>
+            <a:endParaRPr lang="en-US" sz="2200" dirty="0"/>
+          </a:p>
+        </p:txBody>
+      </p:sp>
+      <p:sp>
+        <p:nvSpPr>
+          <p:cNvPr id="10" name="Content Placeholder 2">
+            <a:extLst>
+              <a:ext uri="{FF2B5EF4-FFF2-40B4-BE49-F238E27FC236}">
+                <a16:creationId xmlns:a16="http://schemas.microsoft.com/office/drawing/2014/main" id="{AE706D50-7D14-4DB8-BE17-5497AA1715EE}"/>
+              </a:ext>
+            </a:extLst>
+          </p:cNvPr>
+          <p:cNvSpPr txBox="1">
+            <a:spLocks/>
+          </p:cNvSpPr>
+          <p:nvPr/>
+        </p:nvSpPr>
+        <p:spPr>
+          <a:xfrm>
+            <a:off x="6172200" y="2506661"/>
+            <a:ext cx="4614949" cy="3670301"/>
+          </a:xfrm>
+          <a:prstGeom prst="rect">
+            <a:avLst/>
+          </a:prstGeom>
+        </p:spPr>
+        <p:txBody>
+          <a:bodyPr vert="horz" lIns="91440" tIns="45720" rIns="91440" bIns="45720" rtlCol="0">
+            <a:normAutofit/>
+          </a:bodyPr>
+          <a:lstStyle>
+            <a:lvl1pPr marL="228600" indent="-228600" algn="l" defTabSz="914400" rtl="0" eaLnBrk="1" latinLnBrk="0" hangingPunct="1">
+              <a:lnSpc>
+                <a:spcPct val="90000"/>
+              </a:lnSpc>
+              <a:spcBef>
+                <a:spcPts val="1000"/>
+              </a:spcBef>
+              <a:buFont typeface="Arial"/>
+              <a:buChar char="•"/>
+              <a:defRPr sz="2800" kern="1200">
+                <a:solidFill>
+                  <a:srgbClr val="0070C0"/>
+                </a:solidFill>
+                <a:latin typeface="IBM Plex Mono Text" panose="020B0509050203000203" pitchFamily="49" charset="0"/>
+                <a:ea typeface="+mn-ea"/>
+                <a:cs typeface="+mn-cs"/>
+              </a:defRPr>
+            </a:lvl1pPr>
+            <a:lvl2pPr marL="685800" indent="-228600" algn="l" defTabSz="914400" rtl="0" eaLnBrk="1" latinLnBrk="0" hangingPunct="1">
+              <a:lnSpc>
+                <a:spcPct val="90000"/>
+              </a:lnSpc>
+              <a:spcBef>
+                <a:spcPts val="500"/>
+              </a:spcBef>
+              <a:buFont typeface="Arial"/>
+              <a:buChar char="•"/>
+              <a:defRPr sz="2400" kern="1200">
+                <a:solidFill>
+                  <a:srgbClr val="0070C0"/>
+                </a:solidFill>
+                <a:latin typeface="IBM Plex Mono Text" panose="020B0509050203000203" pitchFamily="49" charset="0"/>
+                <a:ea typeface="+mn-ea"/>
+                <a:cs typeface="+mn-cs"/>
+              </a:defRPr>
+            </a:lvl2pPr>
+            <a:lvl3pPr marL="1143000" indent="-228600" algn="l" defTabSz="914400" rtl="0" eaLnBrk="1" latinLnBrk="0" hangingPunct="1">
+              <a:lnSpc>
+                <a:spcPct val="90000"/>
+              </a:lnSpc>
+              <a:spcBef>
+                <a:spcPts val="500"/>
+              </a:spcBef>
+              <a:buFont typeface="Arial"/>
+              <a:buChar char="•"/>
+              <a:defRPr sz="2000" kern="1200">
+                <a:solidFill>
+                  <a:srgbClr val="0070C0"/>
+                </a:solidFill>
+                <a:latin typeface="IBM Plex Mono Text" panose="020B0509050203000203" pitchFamily="49" charset="0"/>
+                <a:ea typeface="+mn-ea"/>
+                <a:cs typeface="+mn-cs"/>
+              </a:defRPr>
+            </a:lvl3pPr>
+            <a:lvl4pPr marL="1600200" indent="-228600" algn="l" defTabSz="914400" rtl="0" eaLnBrk="1" latinLnBrk="0" hangingPunct="1">
+              <a:lnSpc>
+                <a:spcPct val="90000"/>
+              </a:lnSpc>
+              <a:spcBef>
+                <a:spcPts val="500"/>
+              </a:spcBef>
+              <a:buFont typeface="Arial"/>
+              <a:buChar char="•"/>
+              <a:defRPr sz="1800" kern="1200">
+                <a:solidFill>
+                  <a:srgbClr val="0070C0"/>
+                </a:solidFill>
+                <a:latin typeface="IBM Plex Mono Text" panose="020B0509050203000203" pitchFamily="49" charset="0"/>
+                <a:ea typeface="+mn-ea"/>
+                <a:cs typeface="+mn-cs"/>
+              </a:defRPr>
+            </a:lvl4pPr>
+            <a:lvl5pPr marL="2057400" indent="-228600" algn="l" defTabSz="914400" rtl="0" eaLnBrk="1" latinLnBrk="0" hangingPunct="1">
+              <a:lnSpc>
+                <a:spcPct val="90000"/>
+              </a:lnSpc>
+              <a:spcBef>
+                <a:spcPts val="500"/>
+              </a:spcBef>
+              <a:buFont typeface="Arial"/>
+              <a:buChar char="•"/>
+              <a:defRPr sz="1800" kern="1200">
+                <a:solidFill>
+                  <a:srgbClr val="0070C0"/>
+                </a:solidFill>
+                <a:latin typeface="IBM Plex Mono Text" panose="020B0509050203000203" pitchFamily="49" charset="0"/>
+                <a:ea typeface="+mn-ea"/>
+                <a:cs typeface="+mn-cs"/>
+              </a:defRPr>
+            </a:lvl5pPr>
+            <a:lvl6pPr marL="2514600" indent="-228600" algn="l" defTabSz="914400" rtl="0" eaLnBrk="1" latinLnBrk="0" hangingPunct="1">
+              <a:lnSpc>
+                <a:spcPct val="90000"/>
+              </a:lnSpc>
+              <a:spcBef>
+                <a:spcPts val="500"/>
+              </a:spcBef>
+              <a:buFont typeface="Arial"/>
+              <a:buChar char="•"/>
+              <a:defRPr sz="1800" kern="1200">
+                <a:solidFill>
+                  <a:schemeClr val="tx1"/>
+                </a:solidFill>
+                <a:latin typeface="+mn-lt"/>
+                <a:ea typeface="+mn-ea"/>
+                <a:cs typeface="+mn-cs"/>
+              </a:defRPr>
+            </a:lvl6pPr>
+            <a:lvl7pPr marL="2971800" indent="-228600" algn="l" defTabSz="914400" rtl="0" eaLnBrk="1" latinLnBrk="0" hangingPunct="1">
+              <a:lnSpc>
+                <a:spcPct val="90000"/>
+              </a:lnSpc>
+              <a:spcBef>
+                <a:spcPts val="500"/>
+              </a:spcBef>
+              <a:buFont typeface="Arial"/>
+              <a:buChar char="•"/>
+              <a:defRPr sz="1800" kern="1200">
+                <a:solidFill>
+                  <a:schemeClr val="tx1"/>
+                </a:solidFill>
+                <a:latin typeface="+mn-lt"/>
+                <a:ea typeface="+mn-ea"/>
+                <a:cs typeface="+mn-cs"/>
+              </a:defRPr>
+            </a:lvl7pPr>
+            <a:lvl8pPr marL="3429000" indent="-228600" algn="l" defTabSz="914400" rtl="0" eaLnBrk="1" latinLnBrk="0" hangingPunct="1">
+              <a:lnSpc>
+                <a:spcPct val="90000"/>
+              </a:lnSpc>
+              <a:spcBef>
+                <a:spcPts val="500"/>
+              </a:spcBef>
+              <a:buFont typeface="Arial"/>
+              <a:buChar char="•"/>
+              <a:defRPr sz="1800" kern="1200">
+                <a:solidFill>
+                  <a:schemeClr val="tx1"/>
+                </a:solidFill>
+                <a:latin typeface="+mn-lt"/>
+                <a:ea typeface="+mn-ea"/>
+                <a:cs typeface="+mn-cs"/>
+              </a:defRPr>
+            </a:lvl8pPr>
+            <a:lvl9pPr marL="3886200" indent="-228600" algn="l" defTabSz="914400" rtl="0" eaLnBrk="1" latinLnBrk="0" hangingPunct="1">
+              <a:lnSpc>
+                <a:spcPct val="90000"/>
+              </a:lnSpc>
+              <a:spcBef>
+                <a:spcPts val="500"/>
+              </a:spcBef>
+              <a:buFont typeface="Arial"/>
+              <a:buChar char="•"/>
+              <a:defRPr sz="1800" kern="1200">
+                <a:solidFill>
+                  <a:schemeClr val="tx1"/>
+                </a:solidFill>
+                <a:latin typeface="+mn-lt"/>
+                <a:ea typeface="+mn-ea"/>
+                <a:cs typeface="+mn-cs"/>
+              </a:defRPr>
+            </a:lvl9pPr>
+          </a:lstStyle>
+          <a:p>
+            <a:pPr marL="0" indent="0">
+              <a:buNone/>
+            </a:pPr>
+            <a:endParaRPr lang="en-US" sz="2200" dirty="0"/>
+          </a:p>
+        </p:txBody>
+      </p:sp>
+      <p:sp>
+        <p:nvSpPr>
+          <p:cNvPr id="15" name="Content Placeholder 2">
+            <a:extLst>
+              <a:ext uri="{FF2B5EF4-FFF2-40B4-BE49-F238E27FC236}">
+                <a16:creationId xmlns:a16="http://schemas.microsoft.com/office/drawing/2014/main" id="{6CC682AE-C82A-BB45-EAE2-36E927E005C6}"/>
+              </a:ext>
+            </a:extLst>
+          </p:cNvPr>
+          <p:cNvSpPr txBox="1">
+            <a:spLocks/>
+          </p:cNvSpPr>
+          <p:nvPr/>
+        </p:nvSpPr>
+        <p:spPr>
+          <a:xfrm>
+            <a:off x="526426" y="5173694"/>
+            <a:ext cx="10663481" cy="501939"/>
+          </a:xfrm>
+          <a:prstGeom prst="rect">
+            <a:avLst/>
+          </a:prstGeom>
+        </p:spPr>
+        <p:txBody>
+          <a:bodyPr vert="horz" lIns="91440" tIns="45720" rIns="91440" bIns="45720" rtlCol="0">
+            <a:normAutofit/>
+          </a:bodyPr>
+          <a:lstStyle>
+            <a:lvl1pPr marL="228600" indent="-228600" algn="l" defTabSz="914400" rtl="0" eaLnBrk="1" latinLnBrk="0" hangingPunct="1">
+              <a:lnSpc>
+                <a:spcPct val="90000"/>
+              </a:lnSpc>
+              <a:spcBef>
+                <a:spcPts val="1000"/>
+              </a:spcBef>
+              <a:buFont typeface="Arial"/>
+              <a:buChar char="•"/>
+              <a:defRPr sz="2800" kern="1200">
+                <a:solidFill>
+                  <a:srgbClr val="0070C0"/>
+                </a:solidFill>
+                <a:latin typeface="IBM Plex Mono Text" panose="020B0509050203000203" pitchFamily="49" charset="0"/>
+                <a:ea typeface="+mn-ea"/>
+                <a:cs typeface="+mn-cs"/>
+              </a:defRPr>
+            </a:lvl1pPr>
+            <a:lvl2pPr marL="685800" indent="-228600" algn="l" defTabSz="914400" rtl="0" eaLnBrk="1" latinLnBrk="0" hangingPunct="1">
+              <a:lnSpc>
+                <a:spcPct val="90000"/>
+              </a:lnSpc>
+              <a:spcBef>
+                <a:spcPts val="500"/>
+              </a:spcBef>
+              <a:buFont typeface="Arial"/>
+              <a:buChar char="•"/>
+              <a:defRPr sz="2400" kern="1200">
+                <a:solidFill>
+                  <a:srgbClr val="0070C0"/>
+                </a:solidFill>
+                <a:latin typeface="IBM Plex Mono Text" panose="020B0509050203000203" pitchFamily="49" charset="0"/>
+                <a:ea typeface="+mn-ea"/>
+                <a:cs typeface="+mn-cs"/>
+              </a:defRPr>
+            </a:lvl2pPr>
+            <a:lvl3pPr marL="1143000" indent="-228600" algn="l" defTabSz="914400" rtl="0" eaLnBrk="1" latinLnBrk="0" hangingPunct="1">
+              <a:lnSpc>
+                <a:spcPct val="90000"/>
+              </a:lnSpc>
+              <a:spcBef>
+                <a:spcPts val="500"/>
+              </a:spcBef>
+              <a:buFont typeface="Arial"/>
+              <a:buChar char="•"/>
+              <a:defRPr sz="2000" kern="1200">
+                <a:solidFill>
+                  <a:srgbClr val="0070C0"/>
+                </a:solidFill>
+                <a:latin typeface="IBM Plex Mono Text" panose="020B0509050203000203" pitchFamily="49" charset="0"/>
+                <a:ea typeface="+mn-ea"/>
+                <a:cs typeface="+mn-cs"/>
+              </a:defRPr>
+            </a:lvl3pPr>
+            <a:lvl4pPr marL="1600200" indent="-228600" algn="l" defTabSz="914400" rtl="0" eaLnBrk="1" latinLnBrk="0" hangingPunct="1">
+              <a:lnSpc>
+                <a:spcPct val="90000"/>
+              </a:lnSpc>
+              <a:spcBef>
+                <a:spcPts val="500"/>
+              </a:spcBef>
+              <a:buFont typeface="Arial"/>
+              <a:buChar char="•"/>
+              <a:defRPr sz="1800" kern="1200">
+                <a:solidFill>
+                  <a:srgbClr val="0070C0"/>
+                </a:solidFill>
+                <a:latin typeface="IBM Plex Mono Text" panose="020B0509050203000203" pitchFamily="49" charset="0"/>
+                <a:ea typeface="+mn-ea"/>
+                <a:cs typeface="+mn-cs"/>
+              </a:defRPr>
+            </a:lvl4pPr>
+            <a:lvl5pPr marL="2057400" indent="-228600" algn="l" defTabSz="914400" rtl="0" eaLnBrk="1" latinLnBrk="0" hangingPunct="1">
+              <a:lnSpc>
+                <a:spcPct val="90000"/>
+              </a:lnSpc>
+              <a:spcBef>
+                <a:spcPts val="500"/>
+              </a:spcBef>
+              <a:buFont typeface="Arial"/>
+              <a:buChar char="•"/>
+              <a:defRPr sz="1800" kern="1200">
+                <a:solidFill>
+                  <a:srgbClr val="0070C0"/>
+                </a:solidFill>
+                <a:latin typeface="IBM Plex Mono Text" panose="020B0509050203000203" pitchFamily="49" charset="0"/>
+                <a:ea typeface="+mn-ea"/>
+                <a:cs typeface="+mn-cs"/>
+              </a:defRPr>
+            </a:lvl5pPr>
+            <a:lvl6pPr marL="2514600" indent="-228600" algn="l" defTabSz="914400" rtl="0" eaLnBrk="1" latinLnBrk="0" hangingPunct="1">
+              <a:lnSpc>
+                <a:spcPct val="90000"/>
+              </a:lnSpc>
+              <a:spcBef>
+                <a:spcPts val="500"/>
+              </a:spcBef>
+              <a:buFont typeface="Arial"/>
+              <a:buChar char="•"/>
+              <a:defRPr sz="1800" kern="1200">
+                <a:solidFill>
+                  <a:schemeClr val="tx1"/>
+                </a:solidFill>
+                <a:latin typeface="+mn-lt"/>
+                <a:ea typeface="+mn-ea"/>
+                <a:cs typeface="+mn-cs"/>
+              </a:defRPr>
+            </a:lvl6pPr>
+            <a:lvl7pPr marL="2971800" indent="-228600" algn="l" defTabSz="914400" rtl="0" eaLnBrk="1" latinLnBrk="0" hangingPunct="1">
+              <a:lnSpc>
+                <a:spcPct val="90000"/>
+              </a:lnSpc>
+              <a:spcBef>
+                <a:spcPts val="500"/>
+              </a:spcBef>
+              <a:buFont typeface="Arial"/>
+              <a:buChar char="•"/>
+              <a:defRPr sz="1800" kern="1200">
+                <a:solidFill>
+                  <a:schemeClr val="tx1"/>
+                </a:solidFill>
+                <a:latin typeface="+mn-lt"/>
+                <a:ea typeface="+mn-ea"/>
+                <a:cs typeface="+mn-cs"/>
+              </a:defRPr>
+            </a:lvl7pPr>
+            <a:lvl8pPr marL="3429000" indent="-228600" algn="l" defTabSz="914400" rtl="0" eaLnBrk="1" latinLnBrk="0" hangingPunct="1">
+              <a:lnSpc>
+                <a:spcPct val="90000"/>
+              </a:lnSpc>
+              <a:spcBef>
+                <a:spcPts val="500"/>
+              </a:spcBef>
+              <a:buFont typeface="Arial"/>
+              <a:buChar char="•"/>
+              <a:defRPr sz="1800" kern="1200">
+                <a:solidFill>
+                  <a:schemeClr val="tx1"/>
+                </a:solidFill>
+                <a:latin typeface="+mn-lt"/>
+                <a:ea typeface="+mn-ea"/>
+                <a:cs typeface="+mn-cs"/>
+              </a:defRPr>
+            </a:lvl8pPr>
+            <a:lvl9pPr marL="3886200" indent="-228600" algn="l" defTabSz="914400" rtl="0" eaLnBrk="1" latinLnBrk="0" hangingPunct="1">
+              <a:lnSpc>
+                <a:spcPct val="90000"/>
+              </a:lnSpc>
+              <a:spcBef>
+                <a:spcPts val="500"/>
+              </a:spcBef>
+              <a:buFont typeface="Arial"/>
+              <a:buChar char="•"/>
+              <a:defRPr sz="1800" kern="1200">
+                <a:solidFill>
+                  <a:schemeClr val="tx1"/>
+                </a:solidFill>
+                <a:latin typeface="+mn-lt"/>
+                <a:ea typeface="+mn-ea"/>
+                <a:cs typeface="+mn-cs"/>
+              </a:defRPr>
+            </a:lvl9pPr>
+          </a:lstStyle>
+          <a:p>
+            <a:pPr marL="0" indent="0">
+              <a:buFont typeface="Arial"/>
+              <a:buNone/>
+            </a:pPr>
+            <a:r>
+              <a:rPr lang="en-US" dirty="0"/>
+              <a:t>The major one is Florida, with numbers of successes ang failures </a:t>
+            </a:r>
+          </a:p>
+        </p:txBody>
+      </p:sp>
+      <p:pic>
+        <p:nvPicPr>
+          <p:cNvPr id="5" name="图片 4">
+            <a:extLst>
+              <a:ext uri="{FF2B5EF4-FFF2-40B4-BE49-F238E27FC236}">
+                <a16:creationId xmlns:a16="http://schemas.microsoft.com/office/drawing/2014/main" id="{79FF3646-B457-CADA-D74A-3155A7837E83}"/>
+              </a:ext>
+            </a:extLst>
+          </p:cNvPr>
+          <p:cNvPicPr>
+            <a:picLocks noChangeAspect="1"/>
+          </p:cNvPicPr>
+          <p:nvPr/>
+        </p:nvPicPr>
+        <p:blipFill>
+          <a:blip r:embed="rId3"/>
+          <a:stretch>
+            <a:fillRect/>
+          </a:stretch>
+        </p:blipFill>
+        <p:spPr>
+          <a:xfrm>
+            <a:off x="6738850" y="2327564"/>
+            <a:ext cx="4614949" cy="2503095"/>
+          </a:xfrm>
+          <a:prstGeom prst="rect">
+            <a:avLst/>
+          </a:prstGeom>
+        </p:spPr>
+      </p:pic>
+      <p:pic>
+        <p:nvPicPr>
+          <p:cNvPr id="11" name="图片 10">
+            <a:extLst>
+              <a:ext uri="{FF2B5EF4-FFF2-40B4-BE49-F238E27FC236}">
+                <a16:creationId xmlns:a16="http://schemas.microsoft.com/office/drawing/2014/main" id="{83FF355E-A349-B41A-2623-E3351A4B156E}"/>
+              </a:ext>
+            </a:extLst>
+          </p:cNvPr>
+          <p:cNvPicPr>
+            <a:picLocks noChangeAspect="1"/>
+          </p:cNvPicPr>
+          <p:nvPr/>
+        </p:nvPicPr>
+        <p:blipFill>
+          <a:blip r:embed="rId4"/>
+          <a:stretch>
+            <a:fillRect/>
+          </a:stretch>
+        </p:blipFill>
+        <p:spPr>
+          <a:xfrm>
+            <a:off x="452595" y="2327564"/>
+            <a:ext cx="5993006" cy="2454643"/>
+          </a:xfrm>
+          <a:prstGeom prst="rect">
+            <a:avLst/>
+          </a:prstGeom>
+        </p:spPr>
+      </p:pic>
+    </p:spTree>
+    <p:extLst>
+      <p:ext uri="{BB962C8B-B14F-4D97-AF65-F5344CB8AC3E}">
+        <p14:creationId xmlns:p14="http://schemas.microsoft.com/office/powerpoint/2010/main" val="2778341710"/>
+      </p:ext>
+    </p:extLst>
+  </p:cSld>
+  <p:clrMapOvr>
+    <a:masterClrMapping/>
+  </p:clrMapOvr>
+</p:sld>
+</file>
+
+<file path=ppt/slides/slide13.xml><?xml version="1.0" encoding="utf-8"?>
+<p:sld xmlns:a="http://schemas.openxmlformats.org/drawingml/2006/main" xmlns:r="http://schemas.openxmlformats.org/officeDocument/2006/relationships" xmlns:p="http://schemas.openxmlformats.org/presentationml/2006/main">
+  <p:cSld>
+    <p:spTree>
+      <p:nvGrpSpPr>
+        <p:cNvPr id="1" name=""/>
+        <p:cNvGrpSpPr/>
+        <p:nvPr/>
+      </p:nvGrpSpPr>
+      <p:grpSpPr>
+        <a:xfrm>
+          <a:off x="0" y="0"/>
+          <a:ext cx="0" cy="0"/>
+          <a:chOff x="0" y="0"/>
+          <a:chExt cx="0" cy="0"/>
+        </a:xfrm>
+      </p:grpSpPr>
+      <p:sp>
+        <p:nvSpPr>
+          <p:cNvPr id="2" name="Title 1">
+            <a:extLst>
+              <a:ext uri="{FF2B5EF4-FFF2-40B4-BE49-F238E27FC236}">
+                <a16:creationId xmlns:a16="http://schemas.microsoft.com/office/drawing/2014/main" id="{65C3525F-7CB4-4C06-B037-C81D2DED9B80}"/>
+              </a:ext>
+            </a:extLst>
+          </p:cNvPr>
+          <p:cNvSpPr>
+            <a:spLocks noGrp="1"/>
+          </p:cNvSpPr>
+          <p:nvPr>
+            <p:ph type="title"/>
+          </p:nvPr>
+        </p:nvSpPr>
+        <p:spPr/>
+        <p:txBody>
+          <a:bodyPr/>
+          <a:lstStyle/>
+          <a:p>
+            <a:r>
+              <a:rPr lang="en-CA" dirty="0"/>
+              <a:t>Interactive map with Folium</a:t>
+            </a:r>
+            <a:endParaRPr lang="en-US" dirty="0"/>
+          </a:p>
+        </p:txBody>
+      </p:sp>
+      <p:sp>
+        <p:nvSpPr>
+          <p:cNvPr id="8" name="Content Placeholder 2">
+            <a:extLst>
+              <a:ext uri="{FF2B5EF4-FFF2-40B4-BE49-F238E27FC236}">
+                <a16:creationId xmlns:a16="http://schemas.microsoft.com/office/drawing/2014/main" id="{D13C2F43-A283-4FD4-9C0D-BFF93C50AC01}"/>
+              </a:ext>
+            </a:extLst>
+          </p:cNvPr>
+          <p:cNvSpPr txBox="1">
+            <a:spLocks/>
+          </p:cNvSpPr>
+          <p:nvPr/>
+        </p:nvSpPr>
+        <p:spPr>
+          <a:xfrm>
+            <a:off x="838199" y="2506661"/>
+            <a:ext cx="4614949" cy="3670301"/>
+          </a:xfrm>
+          <a:prstGeom prst="rect">
+            <a:avLst/>
+          </a:prstGeom>
+        </p:spPr>
+        <p:txBody>
+          <a:bodyPr vert="horz" lIns="91440" tIns="45720" rIns="91440" bIns="45720" rtlCol="0">
+            <a:normAutofit/>
+          </a:bodyPr>
+          <a:lstStyle>
+            <a:lvl1pPr marL="228600" indent="-228600" algn="l" defTabSz="914400" rtl="0" eaLnBrk="1" latinLnBrk="0" hangingPunct="1">
+              <a:lnSpc>
+                <a:spcPct val="90000"/>
+              </a:lnSpc>
+              <a:spcBef>
+                <a:spcPts val="1000"/>
+              </a:spcBef>
+              <a:buFont typeface="Arial"/>
+              <a:buChar char="•"/>
+              <a:defRPr sz="2800" kern="1200">
+                <a:solidFill>
+                  <a:srgbClr val="0070C0"/>
+                </a:solidFill>
+                <a:latin typeface="IBM Plex Mono Text" panose="020B0509050203000203" pitchFamily="49" charset="0"/>
+                <a:ea typeface="+mn-ea"/>
+                <a:cs typeface="+mn-cs"/>
+              </a:defRPr>
+            </a:lvl1pPr>
+            <a:lvl2pPr marL="685800" indent="-228600" algn="l" defTabSz="914400" rtl="0" eaLnBrk="1" latinLnBrk="0" hangingPunct="1">
+              <a:lnSpc>
+                <a:spcPct val="90000"/>
+              </a:lnSpc>
+              <a:spcBef>
+                <a:spcPts val="500"/>
+              </a:spcBef>
+              <a:buFont typeface="Arial"/>
+              <a:buChar char="•"/>
+              <a:defRPr sz="2400" kern="1200">
+                <a:solidFill>
+                  <a:srgbClr val="0070C0"/>
+                </a:solidFill>
+                <a:latin typeface="IBM Plex Mono Text" panose="020B0509050203000203" pitchFamily="49" charset="0"/>
+                <a:ea typeface="+mn-ea"/>
+                <a:cs typeface="+mn-cs"/>
+              </a:defRPr>
+            </a:lvl2pPr>
+            <a:lvl3pPr marL="1143000" indent="-228600" algn="l" defTabSz="914400" rtl="0" eaLnBrk="1" latinLnBrk="0" hangingPunct="1">
+              <a:lnSpc>
+                <a:spcPct val="90000"/>
+              </a:lnSpc>
+              <a:spcBef>
+                <a:spcPts val="500"/>
+              </a:spcBef>
+              <a:buFont typeface="Arial"/>
+              <a:buChar char="•"/>
+              <a:defRPr sz="2000" kern="1200">
+                <a:solidFill>
+                  <a:srgbClr val="0070C0"/>
+                </a:solidFill>
+                <a:latin typeface="IBM Plex Mono Text" panose="020B0509050203000203" pitchFamily="49" charset="0"/>
+                <a:ea typeface="+mn-ea"/>
+                <a:cs typeface="+mn-cs"/>
+              </a:defRPr>
+            </a:lvl3pPr>
+            <a:lvl4pPr marL="1600200" indent="-228600" algn="l" defTabSz="914400" rtl="0" eaLnBrk="1" latinLnBrk="0" hangingPunct="1">
+              <a:lnSpc>
+                <a:spcPct val="90000"/>
+              </a:lnSpc>
+              <a:spcBef>
+                <a:spcPts val="500"/>
+              </a:spcBef>
+              <a:buFont typeface="Arial"/>
+              <a:buChar char="•"/>
+              <a:defRPr sz="1800" kern="1200">
+                <a:solidFill>
+                  <a:srgbClr val="0070C0"/>
+                </a:solidFill>
+                <a:latin typeface="IBM Plex Mono Text" panose="020B0509050203000203" pitchFamily="49" charset="0"/>
+                <a:ea typeface="+mn-ea"/>
+                <a:cs typeface="+mn-cs"/>
+              </a:defRPr>
+            </a:lvl4pPr>
+            <a:lvl5pPr marL="2057400" indent="-228600" algn="l" defTabSz="914400" rtl="0" eaLnBrk="1" latinLnBrk="0" hangingPunct="1">
+              <a:lnSpc>
+                <a:spcPct val="90000"/>
+              </a:lnSpc>
+              <a:spcBef>
+                <a:spcPts val="500"/>
+              </a:spcBef>
+              <a:buFont typeface="Arial"/>
+              <a:buChar char="•"/>
+              <a:defRPr sz="1800" kern="1200">
+                <a:solidFill>
+                  <a:srgbClr val="0070C0"/>
+                </a:solidFill>
+                <a:latin typeface="IBM Plex Mono Text" panose="020B0509050203000203" pitchFamily="49" charset="0"/>
+                <a:ea typeface="+mn-ea"/>
+                <a:cs typeface="+mn-cs"/>
+              </a:defRPr>
+            </a:lvl5pPr>
+            <a:lvl6pPr marL="2514600" indent="-228600" algn="l" defTabSz="914400" rtl="0" eaLnBrk="1" latinLnBrk="0" hangingPunct="1">
+              <a:lnSpc>
+                <a:spcPct val="90000"/>
+              </a:lnSpc>
+              <a:spcBef>
+                <a:spcPts val="500"/>
+              </a:spcBef>
+              <a:buFont typeface="Arial"/>
+              <a:buChar char="•"/>
+              <a:defRPr sz="1800" kern="1200">
+                <a:solidFill>
+                  <a:schemeClr val="tx1"/>
+                </a:solidFill>
+                <a:latin typeface="+mn-lt"/>
+                <a:ea typeface="+mn-ea"/>
+                <a:cs typeface="+mn-cs"/>
+              </a:defRPr>
+            </a:lvl6pPr>
+            <a:lvl7pPr marL="2971800" indent="-228600" algn="l" defTabSz="914400" rtl="0" eaLnBrk="1" latinLnBrk="0" hangingPunct="1">
+              <a:lnSpc>
+                <a:spcPct val="90000"/>
+              </a:lnSpc>
+              <a:spcBef>
+                <a:spcPts val="500"/>
+              </a:spcBef>
+              <a:buFont typeface="Arial"/>
+              <a:buChar char="•"/>
+              <a:defRPr sz="1800" kern="1200">
+                <a:solidFill>
+                  <a:schemeClr val="tx1"/>
+                </a:solidFill>
+                <a:latin typeface="+mn-lt"/>
+                <a:ea typeface="+mn-ea"/>
+                <a:cs typeface="+mn-cs"/>
+              </a:defRPr>
+            </a:lvl7pPr>
+            <a:lvl8pPr marL="3429000" indent="-228600" algn="l" defTabSz="914400" rtl="0" eaLnBrk="1" latinLnBrk="0" hangingPunct="1">
+              <a:lnSpc>
+                <a:spcPct val="90000"/>
+              </a:lnSpc>
+              <a:spcBef>
+                <a:spcPts val="500"/>
+              </a:spcBef>
+              <a:buFont typeface="Arial"/>
+              <a:buChar char="•"/>
+              <a:defRPr sz="1800" kern="1200">
+                <a:solidFill>
+                  <a:schemeClr val="tx1"/>
+                </a:solidFill>
+                <a:latin typeface="+mn-lt"/>
+                <a:ea typeface="+mn-ea"/>
+                <a:cs typeface="+mn-cs"/>
+              </a:defRPr>
+            </a:lvl8pPr>
+            <a:lvl9pPr marL="3886200" indent="-228600" algn="l" defTabSz="914400" rtl="0" eaLnBrk="1" latinLnBrk="0" hangingPunct="1">
+              <a:lnSpc>
+                <a:spcPct val="90000"/>
+              </a:lnSpc>
+              <a:spcBef>
+                <a:spcPts val="500"/>
+              </a:spcBef>
+              <a:buFont typeface="Arial"/>
+              <a:buChar char="•"/>
+              <a:defRPr sz="1800" kern="1200">
+                <a:solidFill>
+                  <a:schemeClr val="tx1"/>
+                </a:solidFill>
+                <a:latin typeface="+mn-lt"/>
+                <a:ea typeface="+mn-ea"/>
+                <a:cs typeface="+mn-cs"/>
+              </a:defRPr>
+            </a:lvl9pPr>
+          </a:lstStyle>
+          <a:p>
+            <a:pPr marL="0" indent="0">
+              <a:buNone/>
+            </a:pPr>
+            <a:endParaRPr lang="en-US" sz="2200" dirty="0"/>
+          </a:p>
+        </p:txBody>
+      </p:sp>
+      <p:sp>
+        <p:nvSpPr>
+          <p:cNvPr id="10" name="Content Placeholder 2">
+            <a:extLst>
+              <a:ext uri="{FF2B5EF4-FFF2-40B4-BE49-F238E27FC236}">
+                <a16:creationId xmlns:a16="http://schemas.microsoft.com/office/drawing/2014/main" id="{AE706D50-7D14-4DB8-BE17-5497AA1715EE}"/>
+              </a:ext>
+            </a:extLst>
+          </p:cNvPr>
+          <p:cNvSpPr txBox="1">
+            <a:spLocks/>
+          </p:cNvSpPr>
+          <p:nvPr/>
+        </p:nvSpPr>
+        <p:spPr>
+          <a:xfrm>
+            <a:off x="6172200" y="2506661"/>
+            <a:ext cx="4614949" cy="3670301"/>
+          </a:xfrm>
+          <a:prstGeom prst="rect">
+            <a:avLst/>
+          </a:prstGeom>
+        </p:spPr>
+        <p:txBody>
+          <a:bodyPr vert="horz" lIns="91440" tIns="45720" rIns="91440" bIns="45720" rtlCol="0">
+            <a:normAutofit/>
+          </a:bodyPr>
+          <a:lstStyle>
+            <a:lvl1pPr marL="228600" indent="-228600" algn="l" defTabSz="914400" rtl="0" eaLnBrk="1" latinLnBrk="0" hangingPunct="1">
+              <a:lnSpc>
+                <a:spcPct val="90000"/>
+              </a:lnSpc>
+              <a:spcBef>
+                <a:spcPts val="1000"/>
+              </a:spcBef>
+              <a:buFont typeface="Arial"/>
+              <a:buChar char="•"/>
+              <a:defRPr sz="2800" kern="1200">
+                <a:solidFill>
+                  <a:srgbClr val="0070C0"/>
+                </a:solidFill>
+                <a:latin typeface="IBM Plex Mono Text" panose="020B0509050203000203" pitchFamily="49" charset="0"/>
+                <a:ea typeface="+mn-ea"/>
+                <a:cs typeface="+mn-cs"/>
+              </a:defRPr>
+            </a:lvl1pPr>
+            <a:lvl2pPr marL="685800" indent="-228600" algn="l" defTabSz="914400" rtl="0" eaLnBrk="1" latinLnBrk="0" hangingPunct="1">
+              <a:lnSpc>
+                <a:spcPct val="90000"/>
+              </a:lnSpc>
+              <a:spcBef>
+                <a:spcPts val="500"/>
+              </a:spcBef>
+              <a:buFont typeface="Arial"/>
+              <a:buChar char="•"/>
+              <a:defRPr sz="2400" kern="1200">
+                <a:solidFill>
+                  <a:srgbClr val="0070C0"/>
+                </a:solidFill>
+                <a:latin typeface="IBM Plex Mono Text" panose="020B0509050203000203" pitchFamily="49" charset="0"/>
+                <a:ea typeface="+mn-ea"/>
+                <a:cs typeface="+mn-cs"/>
+              </a:defRPr>
+            </a:lvl2pPr>
+            <a:lvl3pPr marL="1143000" indent="-228600" algn="l" defTabSz="914400" rtl="0" eaLnBrk="1" latinLnBrk="0" hangingPunct="1">
+              <a:lnSpc>
+                <a:spcPct val="90000"/>
+              </a:lnSpc>
+              <a:spcBef>
+                <a:spcPts val="500"/>
+              </a:spcBef>
+              <a:buFont typeface="Arial"/>
+              <a:buChar char="•"/>
+              <a:defRPr sz="2000" kern="1200">
+                <a:solidFill>
+                  <a:srgbClr val="0070C0"/>
+                </a:solidFill>
+                <a:latin typeface="IBM Plex Mono Text" panose="020B0509050203000203" pitchFamily="49" charset="0"/>
+                <a:ea typeface="+mn-ea"/>
+                <a:cs typeface="+mn-cs"/>
+              </a:defRPr>
+            </a:lvl3pPr>
+            <a:lvl4pPr marL="1600200" indent="-228600" algn="l" defTabSz="914400" rtl="0" eaLnBrk="1" latinLnBrk="0" hangingPunct="1">
+              <a:lnSpc>
+                <a:spcPct val="90000"/>
+              </a:lnSpc>
+              <a:spcBef>
+                <a:spcPts val="500"/>
+              </a:spcBef>
+              <a:buFont typeface="Arial"/>
+              <a:buChar char="•"/>
+              <a:defRPr sz="1800" kern="1200">
+                <a:solidFill>
+                  <a:srgbClr val="0070C0"/>
+                </a:solidFill>
+                <a:latin typeface="IBM Plex Mono Text" panose="020B0509050203000203" pitchFamily="49" charset="0"/>
+                <a:ea typeface="+mn-ea"/>
+                <a:cs typeface="+mn-cs"/>
+              </a:defRPr>
+            </a:lvl4pPr>
+            <a:lvl5pPr marL="2057400" indent="-228600" algn="l" defTabSz="914400" rtl="0" eaLnBrk="1" latinLnBrk="0" hangingPunct="1">
+              <a:lnSpc>
+                <a:spcPct val="90000"/>
+              </a:lnSpc>
+              <a:spcBef>
+                <a:spcPts val="500"/>
+              </a:spcBef>
+              <a:buFont typeface="Arial"/>
+              <a:buChar char="•"/>
+              <a:defRPr sz="1800" kern="1200">
+                <a:solidFill>
+                  <a:srgbClr val="0070C0"/>
+                </a:solidFill>
+                <a:latin typeface="IBM Plex Mono Text" panose="020B0509050203000203" pitchFamily="49" charset="0"/>
+                <a:ea typeface="+mn-ea"/>
+                <a:cs typeface="+mn-cs"/>
+              </a:defRPr>
+            </a:lvl5pPr>
+            <a:lvl6pPr marL="2514600" indent="-228600" algn="l" defTabSz="914400" rtl="0" eaLnBrk="1" latinLnBrk="0" hangingPunct="1">
+              <a:lnSpc>
+                <a:spcPct val="90000"/>
+              </a:lnSpc>
+              <a:spcBef>
+                <a:spcPts val="500"/>
+              </a:spcBef>
+              <a:buFont typeface="Arial"/>
+              <a:buChar char="•"/>
+              <a:defRPr sz="1800" kern="1200">
+                <a:solidFill>
+                  <a:schemeClr val="tx1"/>
+                </a:solidFill>
+                <a:latin typeface="+mn-lt"/>
+                <a:ea typeface="+mn-ea"/>
+                <a:cs typeface="+mn-cs"/>
+              </a:defRPr>
+            </a:lvl6pPr>
+            <a:lvl7pPr marL="2971800" indent="-228600" algn="l" defTabSz="914400" rtl="0" eaLnBrk="1" latinLnBrk="0" hangingPunct="1">
+              <a:lnSpc>
+                <a:spcPct val="90000"/>
+              </a:lnSpc>
+              <a:spcBef>
+                <a:spcPts val="500"/>
+              </a:spcBef>
+              <a:buFont typeface="Arial"/>
+              <a:buChar char="•"/>
+              <a:defRPr sz="1800" kern="1200">
+                <a:solidFill>
+                  <a:schemeClr val="tx1"/>
+                </a:solidFill>
+                <a:latin typeface="+mn-lt"/>
+                <a:ea typeface="+mn-ea"/>
+                <a:cs typeface="+mn-cs"/>
+              </a:defRPr>
+            </a:lvl7pPr>
+            <a:lvl8pPr marL="3429000" indent="-228600" algn="l" defTabSz="914400" rtl="0" eaLnBrk="1" latinLnBrk="0" hangingPunct="1">
+              <a:lnSpc>
+                <a:spcPct val="90000"/>
+              </a:lnSpc>
+              <a:spcBef>
+                <a:spcPts val="500"/>
+              </a:spcBef>
+              <a:buFont typeface="Arial"/>
+              <a:buChar char="•"/>
+              <a:defRPr sz="1800" kern="1200">
+                <a:solidFill>
+                  <a:schemeClr val="tx1"/>
+                </a:solidFill>
+                <a:latin typeface="+mn-lt"/>
+                <a:ea typeface="+mn-ea"/>
+                <a:cs typeface="+mn-cs"/>
+              </a:defRPr>
+            </a:lvl8pPr>
+            <a:lvl9pPr marL="3886200" indent="-228600" algn="l" defTabSz="914400" rtl="0" eaLnBrk="1" latinLnBrk="0" hangingPunct="1">
+              <a:lnSpc>
+                <a:spcPct val="90000"/>
+              </a:lnSpc>
+              <a:spcBef>
+                <a:spcPts val="500"/>
+              </a:spcBef>
+              <a:buFont typeface="Arial"/>
+              <a:buChar char="•"/>
+              <a:defRPr sz="1800" kern="1200">
+                <a:solidFill>
+                  <a:schemeClr val="tx1"/>
+                </a:solidFill>
+                <a:latin typeface="+mn-lt"/>
+                <a:ea typeface="+mn-ea"/>
+                <a:cs typeface="+mn-cs"/>
+              </a:defRPr>
+            </a:lvl9pPr>
+          </a:lstStyle>
+          <a:p>
+            <a:pPr marL="0" indent="0">
+              <a:buNone/>
+            </a:pPr>
+            <a:endParaRPr lang="en-US" sz="2200" dirty="0"/>
+          </a:p>
+        </p:txBody>
+      </p:sp>
+      <p:pic>
+        <p:nvPicPr>
+          <p:cNvPr id="9" name="图片 8">
+            <a:extLst>
+              <a:ext uri="{FF2B5EF4-FFF2-40B4-BE49-F238E27FC236}">
+                <a16:creationId xmlns:a16="http://schemas.microsoft.com/office/drawing/2014/main" id="{0070BF8A-6EAB-9DB4-69E3-EAE7060B054D}"/>
+              </a:ext>
+            </a:extLst>
+          </p:cNvPr>
+          <p:cNvPicPr>
+            <a:picLocks noChangeAspect="1"/>
+          </p:cNvPicPr>
+          <p:nvPr/>
+        </p:nvPicPr>
+        <p:blipFill>
+          <a:blip r:embed="rId3"/>
+          <a:stretch>
+            <a:fillRect/>
+          </a:stretch>
+        </p:blipFill>
+        <p:spPr>
+          <a:xfrm>
+            <a:off x="1308991" y="1597295"/>
+            <a:ext cx="9007366" cy="4166316"/>
+          </a:xfrm>
+          <a:prstGeom prst="rect">
+            <a:avLst/>
+          </a:prstGeom>
+        </p:spPr>
+      </p:pic>
+    </p:spTree>
+    <p:extLst>
+      <p:ext uri="{BB962C8B-B14F-4D97-AF65-F5344CB8AC3E}">
+        <p14:creationId xmlns:p14="http://schemas.microsoft.com/office/powerpoint/2010/main" val="917347625"/>
+      </p:ext>
+    </p:extLst>
+  </p:cSld>
+  <p:clrMapOvr>
+    <a:masterClrMapping/>
+  </p:clrMapOvr>
+</p:sld>
+</file>
+
+<file path=ppt/slides/slide14.xml><?xml version="1.0" encoding="utf-8"?>
+<p:sld xmlns:a="http://schemas.openxmlformats.org/drawingml/2006/main" xmlns:r="http://schemas.openxmlformats.org/officeDocument/2006/relationships" xmlns:p="http://schemas.openxmlformats.org/presentationml/2006/main">
+  <p:cSld>
+    <p:spTree>
+      <p:nvGrpSpPr>
+        <p:cNvPr id="1" name=""/>
+        <p:cNvGrpSpPr/>
+        <p:nvPr/>
+      </p:nvGrpSpPr>
+      <p:grpSpPr>
+        <a:xfrm>
+          <a:off x="0" y="0"/>
+          <a:ext cx="0" cy="0"/>
+          <a:chOff x="0" y="0"/>
+          <a:chExt cx="0" cy="0"/>
+        </a:xfrm>
+      </p:grpSpPr>
+      <p:sp>
+        <p:nvSpPr>
+          <p:cNvPr id="2" name="Title 1">
+            <a:extLst>
+              <a:ext uri="{FF2B5EF4-FFF2-40B4-BE49-F238E27FC236}">
+                <a16:creationId xmlns:a16="http://schemas.microsoft.com/office/drawing/2014/main" id="{65C3525F-7CB4-4C06-B037-C81D2DED9B80}"/>
+              </a:ext>
+            </a:extLst>
+          </p:cNvPr>
+          <p:cNvSpPr>
+            <a:spLocks noGrp="1"/>
+          </p:cNvSpPr>
+          <p:nvPr>
+            <p:ph type="title"/>
+          </p:nvPr>
+        </p:nvSpPr>
         <p:spPr>
           <a:xfrm>
             <a:off x="838200" y="365126"/>
@@ -7829,7 +10936,7 @@
 </p:sld>
 </file>
 
-<file path=ppt/slides/slide11.xml><?xml version="1.0" encoding="utf-8"?>
+<file path=ppt/slides/slide15.xml><?xml version="1.0" encoding="utf-8"?>
 <p:sld xmlns:a="http://schemas.openxmlformats.org/drawingml/2006/main" xmlns:r="http://schemas.openxmlformats.org/officeDocument/2006/relationships" xmlns:p="http://schemas.openxmlformats.org/presentationml/2006/main">
   <p:cSld>
     <p:spTree>
@@ -7970,7 +11077,7 @@
 </p:sld>
 </file>
 
-<file path=ppt/slides/slide12.xml><?xml version="1.0" encoding="utf-8"?>
+<file path=ppt/slides/slide16.xml><?xml version="1.0" encoding="utf-8"?>
 <p:sld xmlns:a="http://schemas.openxmlformats.org/drawingml/2006/main" xmlns:r="http://schemas.openxmlformats.org/officeDocument/2006/relationships" xmlns:p="http://schemas.openxmlformats.org/presentationml/2006/main">
   <p:cSld>
     <p:spTree>
@@ -9317,7 +12424,7 @@
         </p:spPr>
         <p:txBody>
           <a:bodyPr>
-            <a:normAutofit/>
+            <a:normAutofit lnSpcReduction="10000"/>
           </a:bodyPr>
           <a:lstStyle/>
           <a:p>
@@ -9365,6 +12472,13 @@
             <a:r>
               <a:rPr lang="en-US" sz="1800" dirty="0"/>
               <a:t>Distribution, Outlier, Correlation</a:t>
+            </a:r>
+          </a:p>
+          <a:p>
+            <a:pPr lvl="1"/>
+            <a:r>
+              <a:rPr lang="en-US" sz="1800" dirty="0"/>
+              <a:t>Using Data Visualization or SQL</a:t>
             </a:r>
           </a:p>
           <a:p>
@@ -10093,209 +13207,36 @@
           </a:prstGeom>
         </p:spPr>
       </p:pic>
-      <p:sp>
-        <p:nvSpPr>
-          <p:cNvPr id="15" name="Content Placeholder 2">
+      <p:pic>
+        <p:nvPicPr>
+          <p:cNvPr id="5" name="图片 4">
             <a:extLst>
               <a:ext uri="{FF2B5EF4-FFF2-40B4-BE49-F238E27FC236}">
-                <a16:creationId xmlns:a16="http://schemas.microsoft.com/office/drawing/2014/main" id="{6CC682AE-C82A-BB45-EAE2-36E927E005C6}"/>
+                <a16:creationId xmlns:a16="http://schemas.microsoft.com/office/drawing/2014/main" id="{6846365A-4074-D8D6-8996-B283A1578D6D}"/>
               </a:ext>
             </a:extLst>
           </p:cNvPr>
-          <p:cNvSpPr txBox="1">
-            <a:spLocks/>
-          </p:cNvSpPr>
+          <p:cNvPicPr>
+            <a:picLocks noChangeAspect="1"/>
+          </p:cNvPicPr>
           <p:nvPr/>
-        </p:nvSpPr>
+        </p:nvPicPr>
+        <p:blipFill>
+          <a:blip r:embed="rId4"/>
+          <a:stretch>
+            <a:fillRect/>
+          </a:stretch>
+        </p:blipFill>
         <p:spPr>
           <a:xfrm>
-            <a:off x="690562" y="4500085"/>
-            <a:ext cx="10663481" cy="501939"/>
+            <a:off x="944369" y="4296883"/>
+            <a:ext cx="10303259" cy="1971720"/>
           </a:xfrm>
           <a:prstGeom prst="rect">
             <a:avLst/>
           </a:prstGeom>
         </p:spPr>
-        <p:txBody>
-          <a:bodyPr vert="horz" lIns="91440" tIns="45720" rIns="91440" bIns="45720" rtlCol="0">
-            <a:normAutofit fontScale="92500"/>
-          </a:bodyPr>
-          <a:lstStyle>
-            <a:lvl1pPr marL="228600" indent="-228600" algn="l" defTabSz="914400" rtl="0" eaLnBrk="1" latinLnBrk="0" hangingPunct="1">
-              <a:lnSpc>
-                <a:spcPct val="90000"/>
-              </a:lnSpc>
-              <a:spcBef>
-                <a:spcPts val="1000"/>
-              </a:spcBef>
-              <a:buFont typeface="Arial"/>
-              <a:buChar char="•"/>
-              <a:defRPr sz="2800" kern="1200">
-                <a:solidFill>
-                  <a:srgbClr val="0070C0"/>
-                </a:solidFill>
-                <a:latin typeface="IBM Plex Mono Text" panose="020B0509050203000203" pitchFamily="49" charset="0"/>
-                <a:ea typeface="+mn-ea"/>
-                <a:cs typeface="+mn-cs"/>
-              </a:defRPr>
-            </a:lvl1pPr>
-            <a:lvl2pPr marL="685800" indent="-228600" algn="l" defTabSz="914400" rtl="0" eaLnBrk="1" latinLnBrk="0" hangingPunct="1">
-              <a:lnSpc>
-                <a:spcPct val="90000"/>
-              </a:lnSpc>
-              <a:spcBef>
-                <a:spcPts val="500"/>
-              </a:spcBef>
-              <a:buFont typeface="Arial"/>
-              <a:buChar char="•"/>
-              <a:defRPr sz="2400" kern="1200">
-                <a:solidFill>
-                  <a:srgbClr val="0070C0"/>
-                </a:solidFill>
-                <a:latin typeface="IBM Plex Mono Text" panose="020B0509050203000203" pitchFamily="49" charset="0"/>
-                <a:ea typeface="+mn-ea"/>
-                <a:cs typeface="+mn-cs"/>
-              </a:defRPr>
-            </a:lvl2pPr>
-            <a:lvl3pPr marL="1143000" indent="-228600" algn="l" defTabSz="914400" rtl="0" eaLnBrk="1" latinLnBrk="0" hangingPunct="1">
-              <a:lnSpc>
-                <a:spcPct val="90000"/>
-              </a:lnSpc>
-              <a:spcBef>
-                <a:spcPts val="500"/>
-              </a:spcBef>
-              <a:buFont typeface="Arial"/>
-              <a:buChar char="•"/>
-              <a:defRPr sz="2000" kern="1200">
-                <a:solidFill>
-                  <a:srgbClr val="0070C0"/>
-                </a:solidFill>
-                <a:latin typeface="IBM Plex Mono Text" panose="020B0509050203000203" pitchFamily="49" charset="0"/>
-                <a:ea typeface="+mn-ea"/>
-                <a:cs typeface="+mn-cs"/>
-              </a:defRPr>
-            </a:lvl3pPr>
-            <a:lvl4pPr marL="1600200" indent="-228600" algn="l" defTabSz="914400" rtl="0" eaLnBrk="1" latinLnBrk="0" hangingPunct="1">
-              <a:lnSpc>
-                <a:spcPct val="90000"/>
-              </a:lnSpc>
-              <a:spcBef>
-                <a:spcPts val="500"/>
-              </a:spcBef>
-              <a:buFont typeface="Arial"/>
-              <a:buChar char="•"/>
-              <a:defRPr sz="1800" kern="1200">
-                <a:solidFill>
-                  <a:srgbClr val="0070C0"/>
-                </a:solidFill>
-                <a:latin typeface="IBM Plex Mono Text" panose="020B0509050203000203" pitchFamily="49" charset="0"/>
-                <a:ea typeface="+mn-ea"/>
-                <a:cs typeface="+mn-cs"/>
-              </a:defRPr>
-            </a:lvl4pPr>
-            <a:lvl5pPr marL="2057400" indent="-228600" algn="l" defTabSz="914400" rtl="0" eaLnBrk="1" latinLnBrk="0" hangingPunct="1">
-              <a:lnSpc>
-                <a:spcPct val="90000"/>
-              </a:lnSpc>
-              <a:spcBef>
-                <a:spcPts val="500"/>
-              </a:spcBef>
-              <a:buFont typeface="Arial"/>
-              <a:buChar char="•"/>
-              <a:defRPr sz="1800" kern="1200">
-                <a:solidFill>
-                  <a:srgbClr val="0070C0"/>
-                </a:solidFill>
-                <a:latin typeface="IBM Plex Mono Text" panose="020B0509050203000203" pitchFamily="49" charset="0"/>
-                <a:ea typeface="+mn-ea"/>
-                <a:cs typeface="+mn-cs"/>
-              </a:defRPr>
-            </a:lvl5pPr>
-            <a:lvl6pPr marL="2514600" indent="-228600" algn="l" defTabSz="914400" rtl="0" eaLnBrk="1" latinLnBrk="0" hangingPunct="1">
-              <a:lnSpc>
-                <a:spcPct val="90000"/>
-              </a:lnSpc>
-              <a:spcBef>
-                <a:spcPts val="500"/>
-              </a:spcBef>
-              <a:buFont typeface="Arial"/>
-              <a:buChar char="•"/>
-              <a:defRPr sz="1800" kern="1200">
-                <a:solidFill>
-                  <a:schemeClr val="tx1"/>
-                </a:solidFill>
-                <a:latin typeface="+mn-lt"/>
-                <a:ea typeface="+mn-ea"/>
-                <a:cs typeface="+mn-cs"/>
-              </a:defRPr>
-            </a:lvl6pPr>
-            <a:lvl7pPr marL="2971800" indent="-228600" algn="l" defTabSz="914400" rtl="0" eaLnBrk="1" latinLnBrk="0" hangingPunct="1">
-              <a:lnSpc>
-                <a:spcPct val="90000"/>
-              </a:lnSpc>
-              <a:spcBef>
-                <a:spcPts val="500"/>
-              </a:spcBef>
-              <a:buFont typeface="Arial"/>
-              <a:buChar char="•"/>
-              <a:defRPr sz="1800" kern="1200">
-                <a:solidFill>
-                  <a:schemeClr val="tx1"/>
-                </a:solidFill>
-                <a:latin typeface="+mn-lt"/>
-                <a:ea typeface="+mn-ea"/>
-                <a:cs typeface="+mn-cs"/>
-              </a:defRPr>
-            </a:lvl7pPr>
-            <a:lvl8pPr marL="3429000" indent="-228600" algn="l" defTabSz="914400" rtl="0" eaLnBrk="1" latinLnBrk="0" hangingPunct="1">
-              <a:lnSpc>
-                <a:spcPct val="90000"/>
-              </a:lnSpc>
-              <a:spcBef>
-                <a:spcPts val="500"/>
-              </a:spcBef>
-              <a:buFont typeface="Arial"/>
-              <a:buChar char="•"/>
-              <a:defRPr sz="1800" kern="1200">
-                <a:solidFill>
-                  <a:schemeClr val="tx1"/>
-                </a:solidFill>
-                <a:latin typeface="+mn-lt"/>
-                <a:ea typeface="+mn-ea"/>
-                <a:cs typeface="+mn-cs"/>
-              </a:defRPr>
-            </a:lvl8pPr>
-            <a:lvl9pPr marL="3886200" indent="-228600" algn="l" defTabSz="914400" rtl="0" eaLnBrk="1" latinLnBrk="0" hangingPunct="1">
-              <a:lnSpc>
-                <a:spcPct val="90000"/>
-              </a:lnSpc>
-              <a:spcBef>
-                <a:spcPts val="500"/>
-              </a:spcBef>
-              <a:buFont typeface="Arial"/>
-              <a:buChar char="•"/>
-              <a:defRPr sz="1800" kern="1200">
-                <a:solidFill>
-                  <a:schemeClr val="tx1"/>
-                </a:solidFill>
-                <a:latin typeface="+mn-lt"/>
-                <a:ea typeface="+mn-ea"/>
-                <a:cs typeface="+mn-cs"/>
-              </a:defRPr>
-            </a:lvl9pPr>
-          </a:lstStyle>
-          <a:p>
-            <a:pPr marL="0" indent="0">
-              <a:buFont typeface="Arial"/>
-              <a:buNone/>
-            </a:pPr>
-            <a:r>
-              <a:rPr lang="en-US" dirty="0"/>
-              <a:t>Which could find that the class one appears frequently in higher flight number</a:t>
-            </a:r>
-          </a:p>
-        </p:txBody>
-      </p:sp>
+      </p:pic>
     </p:spTree>
     <p:extLst>
       <p:ext uri="{BB962C8B-B14F-4D97-AF65-F5344CB8AC3E}">
@@ -10349,7 +13290,7 @@
           <a:p>
             <a:r>
               <a:rPr lang="en-US" dirty="0"/>
-              <a:t>EDA with SQL</a:t>
+              <a:t>EDA with Data Visualization</a:t>
             </a:r>
           </a:p>
         </p:txBody>
@@ -10372,94 +13313,21 @@
         </p:nvSpPr>
         <p:spPr>
           <a:xfrm>
-            <a:off x="813815" y="2217683"/>
-            <a:ext cx="10663481" cy="3846786"/>
+            <a:off x="813815" y="1825625"/>
+            <a:ext cx="10663481" cy="501939"/>
           </a:xfrm>
         </p:spPr>
         <p:txBody>
-          <a:bodyPr>
-            <a:normAutofit fontScale="92500" lnSpcReduction="20000"/>
-          </a:bodyPr>
+          <a:bodyPr/>
           <a:lstStyle/>
           <a:p>
             <a:pPr marL="0" indent="0">
               <a:buNone/>
             </a:pPr>
             <a:r>
-              <a:rPr lang="en-CA" dirty="0"/>
-              <a:t>	Display the names of the unique launch sites  in the space mission</a:t>
+              <a:rPr lang="en-US" dirty="0"/>
+              <a:t>Usually prefer scatter plots or bar plots</a:t>
             </a:r>
-          </a:p>
-          <a:p>
-            <a:pPr marL="0" indent="0">
-              <a:buNone/>
-            </a:pPr>
-            <a:r>
-              <a:rPr lang="en-CA" dirty="0"/>
-              <a:t>	Display 5 records where launch sites begin with the string 'CCA’</a:t>
-            </a:r>
-          </a:p>
-          <a:p>
-            <a:pPr marL="0" indent="0">
-              <a:buNone/>
-            </a:pPr>
-            <a:r>
-              <a:rPr lang="en-CA" dirty="0"/>
-              <a:t>	Display the total payload mass carried by boosters launched by NASA (CRS)</a:t>
-            </a:r>
-          </a:p>
-          <a:p>
-            <a:pPr marL="0" indent="0">
-              <a:buNone/>
-            </a:pPr>
-            <a:r>
-              <a:rPr lang="en-CA" dirty="0"/>
-              <a:t>	Display average payload mass carried by booster version F9 v1.1</a:t>
-            </a:r>
-          </a:p>
-          <a:p>
-            <a:pPr marL="0" indent="0">
-              <a:buNone/>
-            </a:pPr>
-            <a:r>
-              <a:rPr lang="en-CA" dirty="0"/>
-              <a:t>	List the date when the first </a:t>
-            </a:r>
-            <a:r>
-              <a:rPr lang="en-CA" dirty="0" err="1"/>
-              <a:t>succesful</a:t>
-            </a:r>
-            <a:r>
-              <a:rPr lang="en-CA" dirty="0"/>
-              <a:t> landing outcome in ground pad was achieved</a:t>
-            </a:r>
-          </a:p>
-          <a:p>
-            <a:pPr marL="0" indent="0">
-              <a:buNone/>
-            </a:pPr>
-            <a:r>
-              <a:rPr lang="en-CA" dirty="0"/>
-              <a:t>	List the names of the boosters which have success in drone ship and have payload mass greater than 4000 but less than 6000</a:t>
-            </a:r>
-          </a:p>
-          <a:p>
-            <a:pPr marL="0" indent="0">
-              <a:buNone/>
-            </a:pPr>
-            <a:r>
-              <a:rPr lang="en-CA" dirty="0"/>
-              <a:t>	</a:t>
-            </a:r>
-            <a:r>
-              <a:rPr lang="en-CA" dirty="0" err="1"/>
-              <a:t>etc</a:t>
-            </a:r>
-            <a:r>
-              <a:rPr lang="en-CA" dirty="0"/>
-              <a:t>…</a:t>
-            </a:r>
-            <a:endParaRPr lang="en-US" dirty="0"/>
           </a:p>
         </p:txBody>
       </p:sp>
@@ -10861,213 +13729,70 @@
           </a:p>
         </p:txBody>
       </p:sp>
-      <p:sp>
-        <p:nvSpPr>
-          <p:cNvPr id="6" name="Content Placeholder 2">
+      <p:pic>
+        <p:nvPicPr>
+          <p:cNvPr id="6" name="图片 5">
             <a:extLst>
               <a:ext uri="{FF2B5EF4-FFF2-40B4-BE49-F238E27FC236}">
-                <a16:creationId xmlns:a16="http://schemas.microsoft.com/office/drawing/2014/main" id="{AA2A1CE8-1993-456F-9AF9-888117E5E084}"/>
+                <a16:creationId xmlns:a16="http://schemas.microsoft.com/office/drawing/2014/main" id="{441ACB66-4696-8FEB-9163-06A81F10707F}"/>
               </a:ext>
             </a:extLst>
           </p:cNvPr>
-          <p:cNvSpPr txBox="1">
-            <a:spLocks/>
-          </p:cNvSpPr>
+          <p:cNvPicPr>
+            <a:picLocks noChangeAspect="1"/>
+          </p:cNvPicPr>
           <p:nvPr/>
-        </p:nvSpPr>
+        </p:nvPicPr>
+        <p:blipFill>
+          <a:blip r:embed="rId3"/>
+          <a:stretch>
+            <a:fillRect/>
+          </a:stretch>
+        </p:blipFill>
         <p:spPr>
           <a:xfrm>
-            <a:off x="813815" y="1651204"/>
-            <a:ext cx="10663481" cy="501939"/>
+            <a:off x="838200" y="2277582"/>
+            <a:ext cx="10409428" cy="1927660"/>
           </a:xfrm>
           <a:prstGeom prst="rect">
             <a:avLst/>
           </a:prstGeom>
         </p:spPr>
-        <p:txBody>
-          <a:bodyPr vert="horz" lIns="91440" tIns="45720" rIns="91440" bIns="45720" rtlCol="0">
-            <a:normAutofit/>
-          </a:bodyPr>
-          <a:lstStyle>
-            <a:lvl1pPr marL="228600" indent="-228600" algn="l" defTabSz="914400" rtl="0" eaLnBrk="1" latinLnBrk="0" hangingPunct="1">
-              <a:lnSpc>
-                <a:spcPct val="90000"/>
-              </a:lnSpc>
-              <a:spcBef>
-                <a:spcPts val="1000"/>
-              </a:spcBef>
-              <a:buFont typeface="Arial"/>
-              <a:buChar char="•"/>
-              <a:defRPr sz="2800" kern="1200">
-                <a:solidFill>
-                  <a:srgbClr val="0070C0"/>
-                </a:solidFill>
-                <a:latin typeface="IBM Plex Mono Text" panose="020B0509050203000203" pitchFamily="49" charset="0"/>
-                <a:ea typeface="+mn-ea"/>
-                <a:cs typeface="+mn-cs"/>
-              </a:defRPr>
-            </a:lvl1pPr>
-            <a:lvl2pPr marL="685800" indent="-228600" algn="l" defTabSz="914400" rtl="0" eaLnBrk="1" latinLnBrk="0" hangingPunct="1">
-              <a:lnSpc>
-                <a:spcPct val="90000"/>
-              </a:lnSpc>
-              <a:spcBef>
-                <a:spcPts val="500"/>
-              </a:spcBef>
-              <a:buFont typeface="Arial"/>
-              <a:buChar char="•"/>
-              <a:defRPr sz="2400" kern="1200">
-                <a:solidFill>
-                  <a:srgbClr val="0070C0"/>
-                </a:solidFill>
-                <a:latin typeface="IBM Plex Mono Text" panose="020B0509050203000203" pitchFamily="49" charset="0"/>
-                <a:ea typeface="+mn-ea"/>
-                <a:cs typeface="+mn-cs"/>
-              </a:defRPr>
-            </a:lvl2pPr>
-            <a:lvl3pPr marL="1143000" indent="-228600" algn="l" defTabSz="914400" rtl="0" eaLnBrk="1" latinLnBrk="0" hangingPunct="1">
-              <a:lnSpc>
-                <a:spcPct val="90000"/>
-              </a:lnSpc>
-              <a:spcBef>
-                <a:spcPts val="500"/>
-              </a:spcBef>
-              <a:buFont typeface="Arial"/>
-              <a:buChar char="•"/>
-              <a:defRPr sz="2000" kern="1200">
-                <a:solidFill>
-                  <a:srgbClr val="0070C0"/>
-                </a:solidFill>
-                <a:latin typeface="IBM Plex Mono Text" panose="020B0509050203000203" pitchFamily="49" charset="0"/>
-                <a:ea typeface="+mn-ea"/>
-                <a:cs typeface="+mn-cs"/>
-              </a:defRPr>
-            </a:lvl3pPr>
-            <a:lvl4pPr marL="1600200" indent="-228600" algn="l" defTabSz="914400" rtl="0" eaLnBrk="1" latinLnBrk="0" hangingPunct="1">
-              <a:lnSpc>
-                <a:spcPct val="90000"/>
-              </a:lnSpc>
-              <a:spcBef>
-                <a:spcPts val="500"/>
-              </a:spcBef>
-              <a:buFont typeface="Arial"/>
-              <a:buChar char="•"/>
-              <a:defRPr sz="1800" kern="1200">
-                <a:solidFill>
-                  <a:srgbClr val="0070C0"/>
-                </a:solidFill>
-                <a:latin typeface="IBM Plex Mono Text" panose="020B0509050203000203" pitchFamily="49" charset="0"/>
-                <a:ea typeface="+mn-ea"/>
-                <a:cs typeface="+mn-cs"/>
-              </a:defRPr>
-            </a:lvl4pPr>
-            <a:lvl5pPr marL="2057400" indent="-228600" algn="l" defTabSz="914400" rtl="0" eaLnBrk="1" latinLnBrk="0" hangingPunct="1">
-              <a:lnSpc>
-                <a:spcPct val="90000"/>
-              </a:lnSpc>
-              <a:spcBef>
-                <a:spcPts val="500"/>
-              </a:spcBef>
-              <a:buFont typeface="Arial"/>
-              <a:buChar char="•"/>
-              <a:defRPr sz="1800" kern="1200">
-                <a:solidFill>
-                  <a:srgbClr val="0070C0"/>
-                </a:solidFill>
-                <a:latin typeface="IBM Plex Mono Text" panose="020B0509050203000203" pitchFamily="49" charset="0"/>
-                <a:ea typeface="+mn-ea"/>
-                <a:cs typeface="+mn-cs"/>
-              </a:defRPr>
-            </a:lvl5pPr>
-            <a:lvl6pPr marL="2514600" indent="-228600" algn="l" defTabSz="914400" rtl="0" eaLnBrk="1" latinLnBrk="0" hangingPunct="1">
-              <a:lnSpc>
-                <a:spcPct val="90000"/>
-              </a:lnSpc>
-              <a:spcBef>
-                <a:spcPts val="500"/>
-              </a:spcBef>
-              <a:buFont typeface="Arial"/>
-              <a:buChar char="•"/>
-              <a:defRPr sz="1800" kern="1200">
-                <a:solidFill>
-                  <a:schemeClr val="tx1"/>
-                </a:solidFill>
-                <a:latin typeface="+mn-lt"/>
-                <a:ea typeface="+mn-ea"/>
-                <a:cs typeface="+mn-cs"/>
-              </a:defRPr>
-            </a:lvl6pPr>
-            <a:lvl7pPr marL="2971800" indent="-228600" algn="l" defTabSz="914400" rtl="0" eaLnBrk="1" latinLnBrk="0" hangingPunct="1">
-              <a:lnSpc>
-                <a:spcPct val="90000"/>
-              </a:lnSpc>
-              <a:spcBef>
-                <a:spcPts val="500"/>
-              </a:spcBef>
-              <a:buFont typeface="Arial"/>
-              <a:buChar char="•"/>
-              <a:defRPr sz="1800" kern="1200">
-                <a:solidFill>
-                  <a:schemeClr val="tx1"/>
-                </a:solidFill>
-                <a:latin typeface="+mn-lt"/>
-                <a:ea typeface="+mn-ea"/>
-                <a:cs typeface="+mn-cs"/>
-              </a:defRPr>
-            </a:lvl7pPr>
-            <a:lvl8pPr marL="3429000" indent="-228600" algn="l" defTabSz="914400" rtl="0" eaLnBrk="1" latinLnBrk="0" hangingPunct="1">
-              <a:lnSpc>
-                <a:spcPct val="90000"/>
-              </a:lnSpc>
-              <a:spcBef>
-                <a:spcPts val="500"/>
-              </a:spcBef>
-              <a:buFont typeface="Arial"/>
-              <a:buChar char="•"/>
-              <a:defRPr sz="1800" kern="1200">
-                <a:solidFill>
-                  <a:schemeClr val="tx1"/>
-                </a:solidFill>
-                <a:latin typeface="+mn-lt"/>
-                <a:ea typeface="+mn-ea"/>
-                <a:cs typeface="+mn-cs"/>
-              </a:defRPr>
-            </a:lvl8pPr>
-            <a:lvl9pPr marL="3886200" indent="-228600" algn="l" defTabSz="914400" rtl="0" eaLnBrk="1" latinLnBrk="0" hangingPunct="1">
-              <a:lnSpc>
-                <a:spcPct val="90000"/>
-              </a:lnSpc>
-              <a:spcBef>
-                <a:spcPts val="500"/>
-              </a:spcBef>
-              <a:buFont typeface="Arial"/>
-              <a:buChar char="•"/>
-              <a:defRPr sz="1800" kern="1200">
-                <a:solidFill>
-                  <a:schemeClr val="tx1"/>
-                </a:solidFill>
-                <a:latin typeface="+mn-lt"/>
-                <a:ea typeface="+mn-ea"/>
-                <a:cs typeface="+mn-cs"/>
-              </a:defRPr>
-            </a:lvl9pPr>
-          </a:lstStyle>
-          <a:p>
-            <a:pPr marL="0" indent="0">
-              <a:buFont typeface="Arial"/>
-              <a:buNone/>
-            </a:pPr>
-            <a:r>
-              <a:rPr lang="en-US" dirty="0"/>
-              <a:t>Including the following:</a:t>
-            </a:r>
-          </a:p>
-        </p:txBody>
-      </p:sp>
+      </p:pic>
+      <p:pic>
+        <p:nvPicPr>
+          <p:cNvPr id="9" name="图片 8">
+            <a:extLst>
+              <a:ext uri="{FF2B5EF4-FFF2-40B4-BE49-F238E27FC236}">
+                <a16:creationId xmlns:a16="http://schemas.microsoft.com/office/drawing/2014/main" id="{71EC1E01-CF03-EFD9-E7AF-C4B5B487CE49}"/>
+              </a:ext>
+            </a:extLst>
+          </p:cNvPr>
+          <p:cNvPicPr>
+            <a:picLocks noChangeAspect="1"/>
+          </p:cNvPicPr>
+          <p:nvPr/>
+        </p:nvPicPr>
+        <p:blipFill>
+          <a:blip r:embed="rId4"/>
+          <a:stretch>
+            <a:fillRect/>
+          </a:stretch>
+        </p:blipFill>
+        <p:spPr>
+          <a:xfrm>
+            <a:off x="1307717" y="4384339"/>
+            <a:ext cx="2055594" cy="1681301"/>
+          </a:xfrm>
+          <a:prstGeom prst="rect">
+            <a:avLst/>
+          </a:prstGeom>
+        </p:spPr>
+      </p:pic>
     </p:spTree>
     <p:extLst>
       <p:ext uri="{BB962C8B-B14F-4D97-AF65-F5344CB8AC3E}">
-        <p14:creationId xmlns:p14="http://schemas.microsoft.com/office/powerpoint/2010/main" val="2360988635"/>
+        <p14:creationId xmlns:p14="http://schemas.microsoft.com/office/powerpoint/2010/main" val="1500025044"/>
       </p:ext>
     </p:extLst>
   </p:cSld>
@@ -11116,10 +13841,9 @@
           <a:lstStyle/>
           <a:p>
             <a:r>
-              <a:rPr lang="en-CA" dirty="0"/>
-              <a:t>Interactive map with Folium</a:t>
+              <a:rPr lang="en-US" dirty="0"/>
+              <a:t>EDA with Data Visualization</a:t>
             </a:r>
-            <a:endParaRPr lang="en-US" dirty="0"/>
           </a:p>
         </p:txBody>
       </p:sp>
@@ -11154,7 +13878,7 @@
             </a:pPr>
             <a:r>
               <a:rPr lang="en-US" dirty="0"/>
-              <a:t>Two main place for SpaceX, one in California and one in Florida</a:t>
+              <a:t>Usually prefer scatter plots or bar plots</a:t>
             </a:r>
           </a:p>
         </p:txBody>
@@ -11557,215 +14281,12 @@
           </a:p>
         </p:txBody>
       </p:sp>
-      <p:sp>
-        <p:nvSpPr>
-          <p:cNvPr id="15" name="Content Placeholder 2">
+      <p:pic>
+        <p:nvPicPr>
+          <p:cNvPr id="6" name="图片 5">
             <a:extLst>
               <a:ext uri="{FF2B5EF4-FFF2-40B4-BE49-F238E27FC236}">
-                <a16:creationId xmlns:a16="http://schemas.microsoft.com/office/drawing/2014/main" id="{6CC682AE-C82A-BB45-EAE2-36E927E005C6}"/>
-              </a:ext>
-            </a:extLst>
-          </p:cNvPr>
-          <p:cNvSpPr txBox="1">
-            <a:spLocks/>
-          </p:cNvSpPr>
-          <p:nvPr/>
-        </p:nvSpPr>
-        <p:spPr>
-          <a:xfrm>
-            <a:off x="526426" y="5173694"/>
-            <a:ext cx="10663481" cy="501939"/>
-          </a:xfrm>
-          <a:prstGeom prst="rect">
-            <a:avLst/>
-          </a:prstGeom>
-        </p:spPr>
-        <p:txBody>
-          <a:bodyPr vert="horz" lIns="91440" tIns="45720" rIns="91440" bIns="45720" rtlCol="0">
-            <a:normAutofit/>
-          </a:bodyPr>
-          <a:lstStyle>
-            <a:lvl1pPr marL="228600" indent="-228600" algn="l" defTabSz="914400" rtl="0" eaLnBrk="1" latinLnBrk="0" hangingPunct="1">
-              <a:lnSpc>
-                <a:spcPct val="90000"/>
-              </a:lnSpc>
-              <a:spcBef>
-                <a:spcPts val="1000"/>
-              </a:spcBef>
-              <a:buFont typeface="Arial"/>
-              <a:buChar char="•"/>
-              <a:defRPr sz="2800" kern="1200">
-                <a:solidFill>
-                  <a:srgbClr val="0070C0"/>
-                </a:solidFill>
-                <a:latin typeface="IBM Plex Mono Text" panose="020B0509050203000203" pitchFamily="49" charset="0"/>
-                <a:ea typeface="+mn-ea"/>
-                <a:cs typeface="+mn-cs"/>
-              </a:defRPr>
-            </a:lvl1pPr>
-            <a:lvl2pPr marL="685800" indent="-228600" algn="l" defTabSz="914400" rtl="0" eaLnBrk="1" latinLnBrk="0" hangingPunct="1">
-              <a:lnSpc>
-                <a:spcPct val="90000"/>
-              </a:lnSpc>
-              <a:spcBef>
-                <a:spcPts val="500"/>
-              </a:spcBef>
-              <a:buFont typeface="Arial"/>
-              <a:buChar char="•"/>
-              <a:defRPr sz="2400" kern="1200">
-                <a:solidFill>
-                  <a:srgbClr val="0070C0"/>
-                </a:solidFill>
-                <a:latin typeface="IBM Plex Mono Text" panose="020B0509050203000203" pitchFamily="49" charset="0"/>
-                <a:ea typeface="+mn-ea"/>
-                <a:cs typeface="+mn-cs"/>
-              </a:defRPr>
-            </a:lvl2pPr>
-            <a:lvl3pPr marL="1143000" indent="-228600" algn="l" defTabSz="914400" rtl="0" eaLnBrk="1" latinLnBrk="0" hangingPunct="1">
-              <a:lnSpc>
-                <a:spcPct val="90000"/>
-              </a:lnSpc>
-              <a:spcBef>
-                <a:spcPts val="500"/>
-              </a:spcBef>
-              <a:buFont typeface="Arial"/>
-              <a:buChar char="•"/>
-              <a:defRPr sz="2000" kern="1200">
-                <a:solidFill>
-                  <a:srgbClr val="0070C0"/>
-                </a:solidFill>
-                <a:latin typeface="IBM Plex Mono Text" panose="020B0509050203000203" pitchFamily="49" charset="0"/>
-                <a:ea typeface="+mn-ea"/>
-                <a:cs typeface="+mn-cs"/>
-              </a:defRPr>
-            </a:lvl3pPr>
-            <a:lvl4pPr marL="1600200" indent="-228600" algn="l" defTabSz="914400" rtl="0" eaLnBrk="1" latinLnBrk="0" hangingPunct="1">
-              <a:lnSpc>
-                <a:spcPct val="90000"/>
-              </a:lnSpc>
-              <a:spcBef>
-                <a:spcPts val="500"/>
-              </a:spcBef>
-              <a:buFont typeface="Arial"/>
-              <a:buChar char="•"/>
-              <a:defRPr sz="1800" kern="1200">
-                <a:solidFill>
-                  <a:srgbClr val="0070C0"/>
-                </a:solidFill>
-                <a:latin typeface="IBM Plex Mono Text" panose="020B0509050203000203" pitchFamily="49" charset="0"/>
-                <a:ea typeface="+mn-ea"/>
-                <a:cs typeface="+mn-cs"/>
-              </a:defRPr>
-            </a:lvl4pPr>
-            <a:lvl5pPr marL="2057400" indent="-228600" algn="l" defTabSz="914400" rtl="0" eaLnBrk="1" latinLnBrk="0" hangingPunct="1">
-              <a:lnSpc>
-                <a:spcPct val="90000"/>
-              </a:lnSpc>
-              <a:spcBef>
-                <a:spcPts val="500"/>
-              </a:spcBef>
-              <a:buFont typeface="Arial"/>
-              <a:buChar char="•"/>
-              <a:defRPr sz="1800" kern="1200">
-                <a:solidFill>
-                  <a:srgbClr val="0070C0"/>
-                </a:solidFill>
-                <a:latin typeface="IBM Plex Mono Text" panose="020B0509050203000203" pitchFamily="49" charset="0"/>
-                <a:ea typeface="+mn-ea"/>
-                <a:cs typeface="+mn-cs"/>
-              </a:defRPr>
-            </a:lvl5pPr>
-            <a:lvl6pPr marL="2514600" indent="-228600" algn="l" defTabSz="914400" rtl="0" eaLnBrk="1" latinLnBrk="0" hangingPunct="1">
-              <a:lnSpc>
-                <a:spcPct val="90000"/>
-              </a:lnSpc>
-              <a:spcBef>
-                <a:spcPts val="500"/>
-              </a:spcBef>
-              <a:buFont typeface="Arial"/>
-              <a:buChar char="•"/>
-              <a:defRPr sz="1800" kern="1200">
-                <a:solidFill>
-                  <a:schemeClr val="tx1"/>
-                </a:solidFill>
-                <a:latin typeface="+mn-lt"/>
-                <a:ea typeface="+mn-ea"/>
-                <a:cs typeface="+mn-cs"/>
-              </a:defRPr>
-            </a:lvl6pPr>
-            <a:lvl7pPr marL="2971800" indent="-228600" algn="l" defTabSz="914400" rtl="0" eaLnBrk="1" latinLnBrk="0" hangingPunct="1">
-              <a:lnSpc>
-                <a:spcPct val="90000"/>
-              </a:lnSpc>
-              <a:spcBef>
-                <a:spcPts val="500"/>
-              </a:spcBef>
-              <a:buFont typeface="Arial"/>
-              <a:buChar char="•"/>
-              <a:defRPr sz="1800" kern="1200">
-                <a:solidFill>
-                  <a:schemeClr val="tx1"/>
-                </a:solidFill>
-                <a:latin typeface="+mn-lt"/>
-                <a:ea typeface="+mn-ea"/>
-                <a:cs typeface="+mn-cs"/>
-              </a:defRPr>
-            </a:lvl7pPr>
-            <a:lvl8pPr marL="3429000" indent="-228600" algn="l" defTabSz="914400" rtl="0" eaLnBrk="1" latinLnBrk="0" hangingPunct="1">
-              <a:lnSpc>
-                <a:spcPct val="90000"/>
-              </a:lnSpc>
-              <a:spcBef>
-                <a:spcPts val="500"/>
-              </a:spcBef>
-              <a:buFont typeface="Arial"/>
-              <a:buChar char="•"/>
-              <a:defRPr sz="1800" kern="1200">
-                <a:solidFill>
-                  <a:schemeClr val="tx1"/>
-                </a:solidFill>
-                <a:latin typeface="+mn-lt"/>
-                <a:ea typeface="+mn-ea"/>
-                <a:cs typeface="+mn-cs"/>
-              </a:defRPr>
-            </a:lvl8pPr>
-            <a:lvl9pPr marL="3886200" indent="-228600" algn="l" defTabSz="914400" rtl="0" eaLnBrk="1" latinLnBrk="0" hangingPunct="1">
-              <a:lnSpc>
-                <a:spcPct val="90000"/>
-              </a:lnSpc>
-              <a:spcBef>
-                <a:spcPts val="500"/>
-              </a:spcBef>
-              <a:buFont typeface="Arial"/>
-              <a:buChar char="•"/>
-              <a:defRPr sz="1800" kern="1200">
-                <a:solidFill>
-                  <a:schemeClr val="tx1"/>
-                </a:solidFill>
-                <a:latin typeface="+mn-lt"/>
-                <a:ea typeface="+mn-ea"/>
-                <a:cs typeface="+mn-cs"/>
-              </a:defRPr>
-            </a:lvl9pPr>
-          </a:lstStyle>
-          <a:p>
-            <a:pPr marL="0" indent="0">
-              <a:buFont typeface="Arial"/>
-              <a:buNone/>
-            </a:pPr>
-            <a:r>
-              <a:rPr lang="en-US" dirty="0"/>
-              <a:t>The major one is Florida, with numbers of successes ang failures </a:t>
-            </a:r>
-          </a:p>
-        </p:txBody>
-      </p:sp>
-      <p:pic>
-        <p:nvPicPr>
-          <p:cNvPr id="5" name="图片 4">
-            <a:extLst>
-              <a:ext uri="{FF2B5EF4-FFF2-40B4-BE49-F238E27FC236}">
-                <a16:creationId xmlns:a16="http://schemas.microsoft.com/office/drawing/2014/main" id="{79FF3646-B457-CADA-D74A-3155A7837E83}"/>
+                <a16:creationId xmlns:a16="http://schemas.microsoft.com/office/drawing/2014/main" id="{45398C69-F73B-9597-C10B-DB97D07991C6}"/>
               </a:ext>
             </a:extLst>
           </p:cNvPr>
@@ -11782,8 +14303,8 @@
         </p:blipFill>
         <p:spPr>
           <a:xfrm>
-            <a:off x="6738850" y="2327564"/>
-            <a:ext cx="4614949" cy="2503095"/>
+            <a:off x="944368" y="2297120"/>
+            <a:ext cx="10303259" cy="1990202"/>
           </a:xfrm>
           <a:prstGeom prst="rect">
             <a:avLst/>
@@ -11792,10 +14313,10 @@
       </p:pic>
       <p:pic>
         <p:nvPicPr>
-          <p:cNvPr id="11" name="图片 10">
+          <p:cNvPr id="9" name="图片 8">
             <a:extLst>
               <a:ext uri="{FF2B5EF4-FFF2-40B4-BE49-F238E27FC236}">
-                <a16:creationId xmlns:a16="http://schemas.microsoft.com/office/drawing/2014/main" id="{83FF355E-A349-B41A-2623-E3351A4B156E}"/>
+                <a16:creationId xmlns:a16="http://schemas.microsoft.com/office/drawing/2014/main" id="{BAD0464A-7FBE-DC7F-F708-556D17935365}"/>
               </a:ext>
             </a:extLst>
           </p:cNvPr>
@@ -11812,8 +14333,8 @@
         </p:blipFill>
         <p:spPr>
           <a:xfrm>
-            <a:off x="452595" y="2327564"/>
-            <a:ext cx="5993006" cy="2454643"/>
+            <a:off x="944368" y="4252589"/>
+            <a:ext cx="10409432" cy="1982184"/>
           </a:xfrm>
           <a:prstGeom prst="rect">
             <a:avLst/>
@@ -11823,7 +14344,7 @@
     </p:spTree>
     <p:extLst>
       <p:ext uri="{BB962C8B-B14F-4D97-AF65-F5344CB8AC3E}">
-        <p14:creationId xmlns:p14="http://schemas.microsoft.com/office/powerpoint/2010/main" val="2778341710"/>
+        <p14:creationId xmlns:p14="http://schemas.microsoft.com/office/powerpoint/2010/main" val="25733442"/>
       </p:ext>
     </p:extLst>
   </p:cSld>
@@ -12330,6 +14851,21 @@
 </file>
 
 <file path=customXml/item1.xml><?xml version="1.0" encoding="utf-8"?>
+<p:properties xmlns:p="http://schemas.microsoft.com/office/2006/metadata/properties" xmlns:xsi="http://www.w3.org/2001/XMLSchema-instance" xmlns:pc="http://schemas.microsoft.com/office/infopath/2007/PartnerControls">
+  <documentManagement/>
+</p:properties>
+</file>
+
+<file path=customXml/item2.xml><?xml version="1.0" encoding="utf-8"?>
+<?mso-contentType ?>
+<FormTemplates xmlns="http://schemas.microsoft.com/sharepoint/v3/contenttype/forms">
+  <Display>DocumentLibraryForm</Display>
+  <Edit>DocumentLibraryForm</Edit>
+  <New>DocumentLibraryForm</New>
+</FormTemplates>
+</file>
+
+<file path=customXml/item3.xml><?xml version="1.0" encoding="utf-8"?>
 <ct:contentTypeSchema xmlns:ct="http://schemas.microsoft.com/office/2006/metadata/contentType" xmlns:ma="http://schemas.microsoft.com/office/2006/metadata/properties/metaAttributes" ct:_="" ma:_="" ma:contentTypeName="Document" ma:contentTypeID="0x010100EECD86F56755A646AC8AFCBCBD967F21" ma:contentTypeVersion="11" ma:contentTypeDescription="Create a new document." ma:contentTypeScope="" ma:versionID="4bc1015ece1c23b1ef2f55a62f11494f">
   <xsd:schema xmlns:xsd="http://www.w3.org/2001/XMLSchema" xmlns:xs="http://www.w3.org/2001/XMLSchema" xmlns:p="http://schemas.microsoft.com/office/2006/metadata/properties" xmlns:ns2="155be751-a274-42e8-93fb-f39d3b9bccc8" xmlns:ns3="f80a141d-92ca-4d3d-9308-f7e7b1d44ce8" targetNamespace="http://schemas.microsoft.com/office/2006/metadata/properties" ma:root="true" ma:fieldsID="efbf6837a43ed91190e40f849f23a130" ns2:_="" ns3:_="">
     <xsd:import namespace="155be751-a274-42e8-93fb-f39d3b9bccc8"/>
@@ -12540,22 +15076,24 @@
 </ct:contentTypeSchema>
 </file>
 
-<file path=customXml/item2.xml><?xml version="1.0" encoding="utf-8"?>
-<?mso-contentType ?>
-<FormTemplates xmlns="http://schemas.microsoft.com/sharepoint/v3/contenttype/forms">
-  <Display>DocumentLibraryForm</Display>
-  <Edit>DocumentLibraryForm</Edit>
-  <New>DocumentLibraryForm</New>
-</FormTemplates>
+<file path=customXml/itemProps1.xml><?xml version="1.0" encoding="utf-8"?>
+<ds:datastoreItem xmlns:ds="http://schemas.openxmlformats.org/officeDocument/2006/customXml" ds:itemID="{54DA07C5-A406-4A0D-B3E6-3856C94AC7F3}">
+  <ds:schemaRefs>
+    <ds:schemaRef ds:uri="http://schemas.microsoft.com/office/2006/metadata/properties"/>
+    <ds:schemaRef ds:uri="http://schemas.microsoft.com/office/infopath/2007/PartnerControls"/>
+  </ds:schemaRefs>
+</ds:datastoreItem>
 </file>
 
-<file path=customXml/item3.xml><?xml version="1.0" encoding="utf-8"?>
-<p:properties xmlns:p="http://schemas.microsoft.com/office/2006/metadata/properties" xmlns:xsi="http://www.w3.org/2001/XMLSchema-instance" xmlns:pc="http://schemas.microsoft.com/office/infopath/2007/PartnerControls">
-  <documentManagement/>
-</p:properties>
+<file path=customXml/itemProps2.xml><?xml version="1.0" encoding="utf-8"?>
+<ds:datastoreItem xmlns:ds="http://schemas.openxmlformats.org/officeDocument/2006/customXml" ds:itemID="{7EFDA260-DDA0-422C-B7AE-778F653FBB36}">
+  <ds:schemaRefs>
+    <ds:schemaRef ds:uri="http://schemas.microsoft.com/sharepoint/v3/contenttype/forms"/>
+  </ds:schemaRefs>
+</ds:datastoreItem>
 </file>
 
-<file path=customXml/itemProps1.xml><?xml version="1.0" encoding="utf-8"?>
+<file path=customXml/itemProps3.xml><?xml version="1.0" encoding="utf-8"?>
 <ds:datastoreItem xmlns:ds="http://schemas.openxmlformats.org/officeDocument/2006/customXml" ds:itemID="{887AE8FE-83F0-42D0-BB5E-14AD3FB1DE17}">
   <ds:schemaRefs>
     <ds:schemaRef ds:uri="http://schemas.microsoft.com/office/2006/metadata/contentType"/>
@@ -12572,21 +15110,4 @@
     <ds:schemaRef ds:uri="http://schemas.microsoft.com/internal/obd"/>
   </ds:schemaRefs>
 </ds:datastoreItem>
-</file>
-
-<file path=customXml/itemProps2.xml><?xml version="1.0" encoding="utf-8"?>
-<ds:datastoreItem xmlns:ds="http://schemas.openxmlformats.org/officeDocument/2006/customXml" ds:itemID="{7EFDA260-DDA0-422C-B7AE-778F653FBB36}">
-  <ds:schemaRefs>
-    <ds:schemaRef ds:uri="http://schemas.microsoft.com/sharepoint/v3/contenttype/forms"/>
-  </ds:schemaRefs>
-</ds:datastoreItem>
-</file>
-
-<file path=customXml/itemProps3.xml><?xml version="1.0" encoding="utf-8"?>
-<ds:datastoreItem xmlns:ds="http://schemas.openxmlformats.org/officeDocument/2006/customXml" ds:itemID="{54DA07C5-A406-4A0D-B3E6-3856C94AC7F3}">
-  <ds:schemaRefs>
-    <ds:schemaRef ds:uri="http://schemas.microsoft.com/office/2006/metadata/properties"/>
-    <ds:schemaRef ds:uri="http://schemas.microsoft.com/office/infopath/2007/PartnerControls"/>
-  </ds:schemaRefs>
-</ds:datastoreItem>
 </file>